--- a/docs/Springboot process.pptx
+++ b/docs/Springboot process.pptx
@@ -5,7 +5,7 @@
     <p:sldMasterId id="2147483648" r:id="rId1"/>
   </p:sldMasterIdLst>
   <p:notesMasterIdLst>
-    <p:notesMasterId r:id="rId25"/>
+    <p:notesMasterId r:id="rId28"/>
   </p:notesMasterIdLst>
   <p:sldIdLst>
     <p:sldId id="256" r:id="rId2"/>
@@ -27,10 +27,13 @@
     <p:sldId id="275" r:id="rId18"/>
     <p:sldId id="276" r:id="rId19"/>
     <p:sldId id="277" r:id="rId20"/>
-    <p:sldId id="278" r:id="rId21"/>
-    <p:sldId id="279" r:id="rId22"/>
-    <p:sldId id="280" r:id="rId23"/>
-    <p:sldId id="260" r:id="rId24"/>
+    <p:sldId id="281" r:id="rId21"/>
+    <p:sldId id="278" r:id="rId22"/>
+    <p:sldId id="282" r:id="rId23"/>
+    <p:sldId id="279" r:id="rId24"/>
+    <p:sldId id="280" r:id="rId25"/>
+    <p:sldId id="260" r:id="rId26"/>
+    <p:sldId id="283" r:id="rId27"/>
   </p:sldIdLst>
   <p:sldSz cx="12192000" cy="6858000"/>
   <p:notesSz cx="6858000" cy="9144000"/>
@@ -165,7 +168,9 @@
             <p14:sldId id="275"/>
             <p14:sldId id="276"/>
             <p14:sldId id="277"/>
+            <p14:sldId id="281"/>
             <p14:sldId id="278"/>
+            <p14:sldId id="282"/>
             <p14:sldId id="279"/>
             <p14:sldId id="280"/>
           </p14:sldIdLst>
@@ -173,6 +178,7 @@
         <p14:section name="@SpringBootApplication" id="{5CF220BA-DF5F-4C22-8DA9-CA2EC641B481}">
           <p14:sldIdLst>
             <p14:sldId id="260"/>
+            <p14:sldId id="283"/>
           </p14:sldIdLst>
         </p14:section>
       </p14:sectionLst>
@@ -266,7 +272,7 @@
           <a:p>
             <a:fld id="{605642B1-0632-46CA-8265-30E633938A9B}" type="datetimeFigureOut">
               <a:rPr lang="zh-CN" altLang="en-US" smtClean="0"/>
-              <a:t>2019/2/16</a:t>
+              <a:t>2019/2/17</a:t>
             </a:fld>
             <a:endParaRPr lang="zh-CN" altLang="en-US"/>
           </a:p>
@@ -2373,25 +2379,6 @@
           <a:bodyPr/>
           <a:lstStyle/>
           <a:p>
-            <a:r>
-              <a:rPr lang="zh-CN" altLang="en-US" dirty="0" smtClean="0"/>
-              <a:t>配置</a:t>
-            </a:r>
-            <a:r>
-              <a:rPr lang="en-US" altLang="zh-CN" dirty="0" err="1" smtClean="0"/>
-              <a:t>Application.yml</a:t>
-            </a:r>
-            <a:endParaRPr lang="en-US" altLang="zh-CN" dirty="0" smtClean="0"/>
-          </a:p>
-          <a:p>
-            <a:r>
-              <a:rPr lang="en-US" altLang="zh-CN" dirty="0" smtClean="0"/>
-              <a:t>Application-</a:t>
-            </a:r>
-            <a:r>
-              <a:rPr lang="en-US" altLang="zh-CN" dirty="0" err="1" smtClean="0"/>
-              <a:t>dev.yml</a:t>
-            </a:r>
             <a:endParaRPr lang="zh-CN" altLang="en-US" dirty="0"/>
           </a:p>
         </p:txBody>
@@ -2413,7 +2400,7 @@
           <a:p>
             <a:fld id="{CEFBB580-F612-4334-822A-2D827F2CBD38}" type="slidenum">
               <a:rPr lang="zh-CN" altLang="en-US" smtClean="0"/>
-              <a:t>21</a:t>
+              <a:t>20</a:t>
             </a:fld>
             <a:endParaRPr lang="zh-CN" altLang="en-US"/>
           </a:p>
@@ -2422,7 +2409,7 @@
     </p:spTree>
     <p:extLst>
       <p:ext uri="{BB962C8B-B14F-4D97-AF65-F5344CB8AC3E}">
-        <p14:creationId xmlns:p14="http://schemas.microsoft.com/office/powerpoint/2010/main" val="1867468882"/>
+        <p14:creationId xmlns:p14="http://schemas.microsoft.com/office/powerpoint/2010/main" val="2478396852"/>
       </p:ext>
     </p:extLst>
   </p:cSld>
@@ -2476,9 +2463,202 @@
           <a:bodyPr/>
           <a:lstStyle/>
           <a:p>
-            <a:r>
-              <a:rPr lang="en-US" altLang="zh-CN" dirty="0" smtClean="0"/>
-              <a:t>https://blog.csdn.net/dm_vincent/article/details/76735888</a:t>
+            <a:endParaRPr lang="zh-CN" altLang="en-US" dirty="0"/>
+          </a:p>
+        </p:txBody>
+      </p:sp>
+      <p:sp>
+        <p:nvSpPr>
+          <p:cNvPr id="4" name="灯片编号占位符 3"/>
+          <p:cNvSpPr>
+            <a:spLocks noGrp="1"/>
+          </p:cNvSpPr>
+          <p:nvPr>
+            <p:ph type="sldNum" sz="quarter" idx="10"/>
+          </p:nvPr>
+        </p:nvSpPr>
+        <p:spPr/>
+        <p:txBody>
+          <a:bodyPr/>
+          <a:lstStyle/>
+          <a:p>
+            <a:fld id="{CEFBB580-F612-4334-822A-2D827F2CBD38}" type="slidenum">
+              <a:rPr lang="zh-CN" altLang="en-US" smtClean="0"/>
+              <a:t>21</a:t>
+            </a:fld>
+            <a:endParaRPr lang="zh-CN" altLang="en-US"/>
+          </a:p>
+        </p:txBody>
+      </p:sp>
+    </p:spTree>
+    <p:extLst>
+      <p:ext uri="{BB962C8B-B14F-4D97-AF65-F5344CB8AC3E}">
+        <p14:creationId xmlns:p14="http://schemas.microsoft.com/office/powerpoint/2010/main" val="2944918348"/>
+      </p:ext>
+    </p:extLst>
+  </p:cSld>
+  <p:clrMapOvr>
+    <a:masterClrMapping/>
+  </p:clrMapOvr>
+</p:notes>
+</file>
+
+<file path=ppt/notesSlides/notesSlide18.xml><?xml version="1.0" encoding="utf-8"?>
+<p:notes xmlns:a="http://schemas.openxmlformats.org/drawingml/2006/main" xmlns:r="http://schemas.openxmlformats.org/officeDocument/2006/relationships" xmlns:p="http://schemas.openxmlformats.org/presentationml/2006/main">
+  <p:cSld>
+    <p:spTree>
+      <p:nvGrpSpPr>
+        <p:cNvPr id="1" name=""/>
+        <p:cNvGrpSpPr/>
+        <p:nvPr/>
+      </p:nvGrpSpPr>
+      <p:grpSpPr>
+        <a:xfrm>
+          <a:off x="0" y="0"/>
+          <a:ext cx="0" cy="0"/>
+          <a:chOff x="0" y="0"/>
+          <a:chExt cx="0" cy="0"/>
+        </a:xfrm>
+      </p:grpSpPr>
+      <p:sp>
+        <p:nvSpPr>
+          <p:cNvPr id="2" name="幻灯片图像占位符 1"/>
+          <p:cNvSpPr>
+            <a:spLocks noGrp="1" noRot="1" noChangeAspect="1"/>
+          </p:cNvSpPr>
+          <p:nvPr>
+            <p:ph type="sldImg"/>
+          </p:nvPr>
+        </p:nvSpPr>
+        <p:spPr/>
+      </p:sp>
+      <p:sp>
+        <p:nvSpPr>
+          <p:cNvPr id="3" name="备注占位符 2"/>
+          <p:cNvSpPr>
+            <a:spLocks noGrp="1"/>
+          </p:cNvSpPr>
+          <p:nvPr>
+            <p:ph type="body" idx="1"/>
+          </p:nvPr>
+        </p:nvSpPr>
+        <p:spPr/>
+        <p:txBody>
+          <a:bodyPr/>
+          <a:lstStyle/>
+          <a:p>
+            <a:r>
+              <a:rPr lang="en-US" altLang="zh-CN" dirty="0" smtClean="0"/>
+              <a:t>https://www.cnblogs.com/tanliwei/p/9304072.html</a:t>
+            </a:r>
+          </a:p>
+          <a:p>
+            <a:r>
+              <a:rPr lang="en-US" altLang="zh-CN" smtClean="0"/>
+              <a:t>https://www.cnblogs.com/liruiloveparents/p/9492797.html</a:t>
+            </a:r>
+            <a:endParaRPr lang="zh-CN" altLang="en-US" dirty="0"/>
+          </a:p>
+        </p:txBody>
+      </p:sp>
+      <p:sp>
+        <p:nvSpPr>
+          <p:cNvPr id="4" name="灯片编号占位符 3"/>
+          <p:cNvSpPr>
+            <a:spLocks noGrp="1"/>
+          </p:cNvSpPr>
+          <p:nvPr>
+            <p:ph type="sldNum" sz="quarter" idx="10"/>
+          </p:nvPr>
+        </p:nvSpPr>
+        <p:spPr/>
+        <p:txBody>
+          <a:bodyPr/>
+          <a:lstStyle/>
+          <a:p>
+            <a:fld id="{CEFBB580-F612-4334-822A-2D827F2CBD38}" type="slidenum">
+              <a:rPr lang="zh-CN" altLang="en-US" smtClean="0"/>
+              <a:t>22</a:t>
+            </a:fld>
+            <a:endParaRPr lang="zh-CN" altLang="en-US"/>
+          </a:p>
+        </p:txBody>
+      </p:sp>
+    </p:spTree>
+    <p:extLst>
+      <p:ext uri="{BB962C8B-B14F-4D97-AF65-F5344CB8AC3E}">
+        <p14:creationId xmlns:p14="http://schemas.microsoft.com/office/powerpoint/2010/main" val="680887780"/>
+      </p:ext>
+    </p:extLst>
+  </p:cSld>
+  <p:clrMapOvr>
+    <a:masterClrMapping/>
+  </p:clrMapOvr>
+</p:notes>
+</file>
+
+<file path=ppt/notesSlides/notesSlide19.xml><?xml version="1.0" encoding="utf-8"?>
+<p:notes xmlns:a="http://schemas.openxmlformats.org/drawingml/2006/main" xmlns:r="http://schemas.openxmlformats.org/officeDocument/2006/relationships" xmlns:p="http://schemas.openxmlformats.org/presentationml/2006/main">
+  <p:cSld>
+    <p:spTree>
+      <p:nvGrpSpPr>
+        <p:cNvPr id="1" name=""/>
+        <p:cNvGrpSpPr/>
+        <p:nvPr/>
+      </p:nvGrpSpPr>
+      <p:grpSpPr>
+        <a:xfrm>
+          <a:off x="0" y="0"/>
+          <a:ext cx="0" cy="0"/>
+          <a:chOff x="0" y="0"/>
+          <a:chExt cx="0" cy="0"/>
+        </a:xfrm>
+      </p:grpSpPr>
+      <p:sp>
+        <p:nvSpPr>
+          <p:cNvPr id="2" name="幻灯片图像占位符 1"/>
+          <p:cNvSpPr>
+            <a:spLocks noGrp="1" noRot="1" noChangeAspect="1"/>
+          </p:cNvSpPr>
+          <p:nvPr>
+            <p:ph type="sldImg"/>
+          </p:nvPr>
+        </p:nvSpPr>
+        <p:spPr/>
+      </p:sp>
+      <p:sp>
+        <p:nvSpPr>
+          <p:cNvPr id="3" name="备注占位符 2"/>
+          <p:cNvSpPr>
+            <a:spLocks noGrp="1"/>
+          </p:cNvSpPr>
+          <p:nvPr>
+            <p:ph type="body" idx="1"/>
+          </p:nvPr>
+        </p:nvSpPr>
+        <p:spPr/>
+        <p:txBody>
+          <a:bodyPr/>
+          <a:lstStyle/>
+          <a:p>
+            <a:r>
+              <a:rPr lang="zh-CN" altLang="en-US" dirty="0" smtClean="0"/>
+              <a:t>配置</a:t>
+            </a:r>
+            <a:r>
+              <a:rPr lang="en-US" altLang="zh-CN" dirty="0" err="1" smtClean="0"/>
+              <a:t>Application.yml</a:t>
+            </a:r>
+            <a:endParaRPr lang="en-US" altLang="zh-CN" dirty="0" smtClean="0"/>
+          </a:p>
+          <a:p>
+            <a:r>
+              <a:rPr lang="en-US" altLang="zh-CN" dirty="0" smtClean="0"/>
+              <a:t>Application-</a:t>
+            </a:r>
+            <a:r>
+              <a:rPr lang="en-US" altLang="zh-CN" dirty="0" err="1" smtClean="0"/>
+              <a:t>dev.yml</a:t>
             </a:r>
             <a:endParaRPr lang="zh-CN" altLang="en-US" dirty="0"/>
           </a:p>
@@ -2510,7 +2690,7 @@
     </p:spTree>
     <p:extLst>
       <p:ext uri="{BB962C8B-B14F-4D97-AF65-F5344CB8AC3E}">
-        <p14:creationId xmlns:p14="http://schemas.microsoft.com/office/powerpoint/2010/main" val="1573483054"/>
+        <p14:creationId xmlns:p14="http://schemas.microsoft.com/office/powerpoint/2010/main" val="1867468882"/>
       </p:ext>
     </p:extLst>
   </p:cSld>
@@ -2647,6 +2827,94 @@
     <p:extLst>
       <p:ext uri="{BB962C8B-B14F-4D97-AF65-F5344CB8AC3E}">
         <p14:creationId xmlns:p14="http://schemas.microsoft.com/office/powerpoint/2010/main" val="2723790470"/>
+      </p:ext>
+    </p:extLst>
+  </p:cSld>
+  <p:clrMapOvr>
+    <a:masterClrMapping/>
+  </p:clrMapOvr>
+</p:notes>
+</file>
+
+<file path=ppt/notesSlides/notesSlide20.xml><?xml version="1.0" encoding="utf-8"?>
+<p:notes xmlns:a="http://schemas.openxmlformats.org/drawingml/2006/main" xmlns:r="http://schemas.openxmlformats.org/officeDocument/2006/relationships" xmlns:p="http://schemas.openxmlformats.org/presentationml/2006/main">
+  <p:cSld>
+    <p:spTree>
+      <p:nvGrpSpPr>
+        <p:cNvPr id="1" name=""/>
+        <p:cNvGrpSpPr/>
+        <p:nvPr/>
+      </p:nvGrpSpPr>
+      <p:grpSpPr>
+        <a:xfrm>
+          <a:off x="0" y="0"/>
+          <a:ext cx="0" cy="0"/>
+          <a:chOff x="0" y="0"/>
+          <a:chExt cx="0" cy="0"/>
+        </a:xfrm>
+      </p:grpSpPr>
+      <p:sp>
+        <p:nvSpPr>
+          <p:cNvPr id="2" name="幻灯片图像占位符 1"/>
+          <p:cNvSpPr>
+            <a:spLocks noGrp="1" noRot="1" noChangeAspect="1"/>
+          </p:cNvSpPr>
+          <p:nvPr>
+            <p:ph type="sldImg"/>
+          </p:nvPr>
+        </p:nvSpPr>
+        <p:spPr/>
+      </p:sp>
+      <p:sp>
+        <p:nvSpPr>
+          <p:cNvPr id="3" name="备注占位符 2"/>
+          <p:cNvSpPr>
+            <a:spLocks noGrp="1"/>
+          </p:cNvSpPr>
+          <p:nvPr>
+            <p:ph type="body" idx="1"/>
+          </p:nvPr>
+        </p:nvSpPr>
+        <p:spPr/>
+        <p:txBody>
+          <a:bodyPr/>
+          <a:lstStyle/>
+          <a:p>
+            <a:r>
+              <a:rPr lang="en-US" altLang="zh-CN" dirty="0" smtClean="0"/>
+              <a:t>https://blog.csdn.net/dm_vincent/article/details/76735888</a:t>
+            </a:r>
+            <a:endParaRPr lang="zh-CN" altLang="en-US" dirty="0"/>
+          </a:p>
+        </p:txBody>
+      </p:sp>
+      <p:sp>
+        <p:nvSpPr>
+          <p:cNvPr id="4" name="灯片编号占位符 3"/>
+          <p:cNvSpPr>
+            <a:spLocks noGrp="1"/>
+          </p:cNvSpPr>
+          <p:nvPr>
+            <p:ph type="sldNum" sz="quarter" idx="10"/>
+          </p:nvPr>
+        </p:nvSpPr>
+        <p:spPr/>
+        <p:txBody>
+          <a:bodyPr/>
+          <a:lstStyle/>
+          <a:p>
+            <a:fld id="{CEFBB580-F612-4334-822A-2D827F2CBD38}" type="slidenum">
+              <a:rPr lang="zh-CN" altLang="en-US" smtClean="0"/>
+              <a:t>25</a:t>
+            </a:fld>
+            <a:endParaRPr lang="zh-CN" altLang="en-US"/>
+          </a:p>
+        </p:txBody>
+      </p:sp>
+    </p:spTree>
+    <p:extLst>
+      <p:ext uri="{BB962C8B-B14F-4D97-AF65-F5344CB8AC3E}">
+        <p14:creationId xmlns:p14="http://schemas.microsoft.com/office/powerpoint/2010/main" val="1573483054"/>
       </p:ext>
     </p:extLst>
   </p:cSld>
@@ -4679,7 +4947,7 @@
           <a:p>
             <a:fld id="{D997B5FA-0921-464F-AAE1-844C04324D75}" type="datetimeFigureOut">
               <a:rPr lang="zh-CN" altLang="en-US" smtClean="0"/>
-              <a:t>2019/2/16</a:t>
+              <a:t>2019/2/17</a:t>
             </a:fld>
             <a:endParaRPr lang="zh-CN" altLang="en-US"/>
           </a:p>
@@ -4849,7 +5117,7 @@
           <a:p>
             <a:fld id="{D997B5FA-0921-464F-AAE1-844C04324D75}" type="datetimeFigureOut">
               <a:rPr lang="zh-CN" altLang="en-US" smtClean="0"/>
-              <a:t>2019/2/16</a:t>
+              <a:t>2019/2/17</a:t>
             </a:fld>
             <a:endParaRPr lang="zh-CN" altLang="en-US"/>
           </a:p>
@@ -5029,7 +5297,7 @@
           <a:p>
             <a:fld id="{D997B5FA-0921-464F-AAE1-844C04324D75}" type="datetimeFigureOut">
               <a:rPr lang="zh-CN" altLang="en-US" smtClean="0"/>
-              <a:t>2019/2/16</a:t>
+              <a:t>2019/2/17</a:t>
             </a:fld>
             <a:endParaRPr lang="zh-CN" altLang="en-US"/>
           </a:p>
@@ -5199,7 +5467,7 @@
           <a:p>
             <a:fld id="{D997B5FA-0921-464F-AAE1-844C04324D75}" type="datetimeFigureOut">
               <a:rPr lang="zh-CN" altLang="en-US" smtClean="0"/>
-              <a:t>2019/2/16</a:t>
+              <a:t>2019/2/17</a:t>
             </a:fld>
             <a:endParaRPr lang="zh-CN" altLang="en-US"/>
           </a:p>
@@ -5445,7 +5713,7 @@
           <a:p>
             <a:fld id="{D997B5FA-0921-464F-AAE1-844C04324D75}" type="datetimeFigureOut">
               <a:rPr lang="zh-CN" altLang="en-US" smtClean="0"/>
-              <a:t>2019/2/16</a:t>
+              <a:t>2019/2/17</a:t>
             </a:fld>
             <a:endParaRPr lang="zh-CN" altLang="en-US"/>
           </a:p>
@@ -5677,7 +5945,7 @@
           <a:p>
             <a:fld id="{D997B5FA-0921-464F-AAE1-844C04324D75}" type="datetimeFigureOut">
               <a:rPr lang="zh-CN" altLang="en-US" smtClean="0"/>
-              <a:t>2019/2/16</a:t>
+              <a:t>2019/2/17</a:t>
             </a:fld>
             <a:endParaRPr lang="zh-CN" altLang="en-US"/>
           </a:p>
@@ -6044,7 +6312,7 @@
           <a:p>
             <a:fld id="{D997B5FA-0921-464F-AAE1-844C04324D75}" type="datetimeFigureOut">
               <a:rPr lang="zh-CN" altLang="en-US" smtClean="0"/>
-              <a:t>2019/2/16</a:t>
+              <a:t>2019/2/17</a:t>
             </a:fld>
             <a:endParaRPr lang="zh-CN" altLang="en-US"/>
           </a:p>
@@ -6162,7 +6430,7 @@
           <a:p>
             <a:fld id="{D997B5FA-0921-464F-AAE1-844C04324D75}" type="datetimeFigureOut">
               <a:rPr lang="zh-CN" altLang="en-US" smtClean="0"/>
-              <a:t>2019/2/16</a:t>
+              <a:t>2019/2/17</a:t>
             </a:fld>
             <a:endParaRPr lang="zh-CN" altLang="en-US"/>
           </a:p>
@@ -6257,7 +6525,7 @@
           <a:p>
             <a:fld id="{D997B5FA-0921-464F-AAE1-844C04324D75}" type="datetimeFigureOut">
               <a:rPr lang="zh-CN" altLang="en-US" smtClean="0"/>
-              <a:t>2019/2/16</a:t>
+              <a:t>2019/2/17</a:t>
             </a:fld>
             <a:endParaRPr lang="zh-CN" altLang="en-US"/>
           </a:p>
@@ -6534,7 +6802,7 @@
           <a:p>
             <a:fld id="{D997B5FA-0921-464F-AAE1-844C04324D75}" type="datetimeFigureOut">
               <a:rPr lang="zh-CN" altLang="en-US" smtClean="0"/>
-              <a:t>2019/2/16</a:t>
+              <a:t>2019/2/17</a:t>
             </a:fld>
             <a:endParaRPr lang="zh-CN" altLang="en-US"/>
           </a:p>
@@ -6787,7 +7055,7 @@
           <a:p>
             <a:fld id="{D997B5FA-0921-464F-AAE1-844C04324D75}" type="datetimeFigureOut">
               <a:rPr lang="zh-CN" altLang="en-US" smtClean="0"/>
-              <a:t>2019/2/16</a:t>
+              <a:t>2019/2/17</a:t>
             </a:fld>
             <a:endParaRPr lang="zh-CN" altLang="en-US"/>
           </a:p>
@@ -7000,7 +7268,7 @@
           <a:p>
             <a:fld id="{D997B5FA-0921-464F-AAE1-844C04324D75}" type="datetimeFigureOut">
               <a:rPr lang="zh-CN" altLang="en-US" smtClean="0"/>
-              <a:t>2019/2/16</a:t>
+              <a:t>2019/2/17</a:t>
             </a:fld>
             <a:endParaRPr lang="zh-CN" altLang="en-US"/>
           </a:p>
@@ -8950,11 +9218,7 @@
             </a:r>
             <a:r>
               <a:rPr lang="en-US" altLang="zh-CN" dirty="0" smtClean="0"/>
-              <a:t>  </a:t>
-            </a:r>
-            <a:r>
-              <a:rPr lang="en-US" altLang="zh-CN" dirty="0" smtClean="0"/>
-              <a:t>Initialization</a:t>
+              <a:t>  Initialization</a:t>
             </a:r>
           </a:p>
           <a:p>
@@ -9048,35 +9312,40 @@
           <a:p>
             <a:r>
               <a:rPr lang="en-US" altLang="zh-CN" dirty="0" err="1" smtClean="0"/>
-              <a:t>getOrCreateEnvironment</a:t>
+              <a:t>StandardEnvironment</a:t>
             </a:r>
             <a:endParaRPr lang="zh-CN" altLang="en-US" dirty="0"/>
           </a:p>
         </p:txBody>
       </p:sp>
-      <p:sp>
-        <p:nvSpPr>
-          <p:cNvPr id="3" name="内容占位符 2"/>
-          <p:cNvSpPr>
-            <a:spLocks noGrp="1"/>
-          </p:cNvSpPr>
-          <p:nvPr>
-            <p:ph idx="1"/>
-          </p:nvPr>
-        </p:nvSpPr>
-        <p:spPr/>
-        <p:txBody>
-          <a:bodyPr/>
-          <a:lstStyle/>
-          <a:p>
-            <a:endParaRPr lang="zh-CN" altLang="en-US"/>
-          </a:p>
-        </p:txBody>
-      </p:sp>
+      <p:pic>
+        <p:nvPicPr>
+          <p:cNvPr id="4" name="图片 3"/>
+          <p:cNvPicPr>
+            <a:picLocks noChangeAspect="1"/>
+          </p:cNvPicPr>
+          <p:nvPr/>
+        </p:nvPicPr>
+        <p:blipFill>
+          <a:blip r:embed="rId3"/>
+          <a:stretch>
+            <a:fillRect/>
+          </a:stretch>
+        </p:blipFill>
+        <p:spPr>
+          <a:xfrm>
+            <a:off x="838200" y="1825625"/>
+            <a:ext cx="4662488" cy="4382038"/>
+          </a:xfrm>
+          <a:prstGeom prst="rect">
+            <a:avLst/>
+          </a:prstGeom>
+        </p:spPr>
+      </p:pic>
     </p:spTree>
     <p:extLst>
       <p:ext uri="{BB962C8B-B14F-4D97-AF65-F5344CB8AC3E}">
-        <p14:creationId xmlns:p14="http://schemas.microsoft.com/office/powerpoint/2010/main" val="3423333016"/>
+        <p14:creationId xmlns:p14="http://schemas.microsoft.com/office/powerpoint/2010/main" val="985644020"/>
       </p:ext>
     </p:extLst>
   </p:cSld>
@@ -9120,35 +9389,40 @@
           <a:p>
             <a:r>
               <a:rPr lang="en-US" altLang="zh-CN" dirty="0" err="1" smtClean="0"/>
-              <a:t>configureEnvironment</a:t>
+              <a:t>getOrCreateEnvironment</a:t>
             </a:r>
             <a:endParaRPr lang="zh-CN" altLang="en-US" dirty="0"/>
           </a:p>
         </p:txBody>
       </p:sp>
-      <p:sp>
-        <p:nvSpPr>
-          <p:cNvPr id="3" name="内容占位符 2"/>
-          <p:cNvSpPr>
-            <a:spLocks noGrp="1"/>
-          </p:cNvSpPr>
-          <p:nvPr>
-            <p:ph idx="1"/>
-          </p:nvPr>
-        </p:nvSpPr>
-        <p:spPr/>
-        <p:txBody>
-          <a:bodyPr/>
-          <a:lstStyle/>
-          <a:p>
-            <a:endParaRPr lang="zh-CN" altLang="en-US" dirty="0"/>
-          </a:p>
-        </p:txBody>
-      </p:sp>
+      <p:pic>
+        <p:nvPicPr>
+          <p:cNvPr id="4" name="图片 3"/>
+          <p:cNvPicPr>
+            <a:picLocks noChangeAspect="1"/>
+          </p:cNvPicPr>
+          <p:nvPr/>
+        </p:nvPicPr>
+        <p:blipFill>
+          <a:blip r:embed="rId3"/>
+          <a:stretch>
+            <a:fillRect/>
+          </a:stretch>
+        </p:blipFill>
+        <p:spPr>
+          <a:xfrm>
+            <a:off x="838200" y="1825625"/>
+            <a:ext cx="6205538" cy="3915130"/>
+          </a:xfrm>
+          <a:prstGeom prst="rect">
+            <a:avLst/>
+          </a:prstGeom>
+        </p:spPr>
+      </p:pic>
     </p:spTree>
     <p:extLst>
       <p:ext uri="{BB962C8B-B14F-4D97-AF65-F5344CB8AC3E}">
-        <p14:creationId xmlns:p14="http://schemas.microsoft.com/office/powerpoint/2010/main" val="635573952"/>
+        <p14:creationId xmlns:p14="http://schemas.microsoft.com/office/powerpoint/2010/main" val="3423333016"/>
       </p:ext>
     </p:extLst>
   </p:cSld>
@@ -9191,8 +9465,8 @@
           <a:lstStyle/>
           <a:p>
             <a:r>
-              <a:rPr lang="en-US" altLang="zh-CN" dirty="0" err="1" smtClean="0"/>
-              <a:t>prepareContext</a:t>
+              <a:rPr lang="en-US" altLang="zh-CN" dirty="0" err="1"/>
+              <a:t>listeners.environmentPrepared</a:t>
             </a:r>
             <a:endParaRPr lang="zh-CN" altLang="en-US" dirty="0"/>
           </a:p>
@@ -9214,67 +9488,17 @@
           <a:lstStyle/>
           <a:p>
             <a:r>
-              <a:rPr lang="en-US" altLang="zh-CN" dirty="0" smtClean="0"/>
-              <a:t>Load</a:t>
-            </a:r>
-          </a:p>
-          <a:p>
-            <a:pPr lvl="1"/>
-            <a:r>
-              <a:rPr lang="en-US" altLang="zh-CN" dirty="0" err="1"/>
-              <a:t>this.primarySources</a:t>
-            </a:r>
-            <a:r>
-              <a:rPr lang="en-US" altLang="zh-CN" dirty="0"/>
-              <a:t> = new </a:t>
-            </a:r>
-            <a:r>
-              <a:rPr lang="en-US" altLang="zh-CN" dirty="0" err="1"/>
-              <a:t>LinkedHashSet</a:t>
-            </a:r>
-            <a:r>
-              <a:rPr lang="en-US" altLang="zh-CN" dirty="0"/>
-              <a:t>&lt;&gt;</a:t>
-            </a:r>
-            <a:r>
-              <a:rPr lang="en-US" altLang="zh-CN" dirty="0" err="1"/>
-              <a:t>Arrays.asList</a:t>
-            </a:r>
-            <a:r>
-              <a:rPr lang="en-US" altLang="zh-CN" dirty="0"/>
-              <a:t>(</a:t>
-            </a:r>
-            <a:r>
-              <a:rPr lang="en-US" altLang="zh-CN" dirty="0" err="1"/>
-              <a:t>primarySources</a:t>
-            </a:r>
-            <a:r>
-              <a:rPr lang="en-US" altLang="zh-CN" dirty="0"/>
-              <a:t>));   </a:t>
-            </a:r>
-            <a:endParaRPr lang="en-US" altLang="zh-CN" dirty="0" smtClean="0"/>
-          </a:p>
-          <a:p>
-            <a:pPr lvl="1"/>
-            <a:r>
               <a:rPr lang="zh-CN" altLang="en-US" dirty="0" smtClean="0"/>
-              <a:t>看上去是手动把类加入</a:t>
-            </a:r>
-            <a:r>
-              <a:rPr lang="en-US" altLang="zh-CN" dirty="0" smtClean="0"/>
-              <a:t>Spring</a:t>
-            </a:r>
-            <a:r>
-              <a:rPr lang="zh-CN" altLang="en-US" dirty="0"/>
-              <a:t>容器</a:t>
-            </a:r>
+              <a:t>读取配置文件</a:t>
+            </a:r>
+            <a:endParaRPr lang="zh-CN" altLang="en-US" dirty="0"/>
           </a:p>
         </p:txBody>
       </p:sp>
     </p:spTree>
     <p:extLst>
       <p:ext uri="{BB962C8B-B14F-4D97-AF65-F5344CB8AC3E}">
-        <p14:creationId xmlns:p14="http://schemas.microsoft.com/office/powerpoint/2010/main" val="277240693"/>
+        <p14:creationId xmlns:p14="http://schemas.microsoft.com/office/powerpoint/2010/main" val="3151981415"/>
       </p:ext>
     </p:extLst>
   </p:cSld>
@@ -9317,6 +9541,204 @@
           <a:lstStyle/>
           <a:p>
             <a:r>
+              <a:rPr lang="en-US" altLang="zh-CN" dirty="0" err="1" smtClean="0"/>
+              <a:t>configureEnvironment</a:t>
+            </a:r>
+            <a:endParaRPr lang="zh-CN" altLang="en-US" dirty="0"/>
+          </a:p>
+        </p:txBody>
+      </p:sp>
+      <p:sp>
+        <p:nvSpPr>
+          <p:cNvPr id="3" name="内容占位符 2"/>
+          <p:cNvSpPr>
+            <a:spLocks noGrp="1"/>
+          </p:cNvSpPr>
+          <p:nvPr>
+            <p:ph idx="1"/>
+          </p:nvPr>
+        </p:nvSpPr>
+        <p:spPr/>
+        <p:txBody>
+          <a:bodyPr/>
+          <a:lstStyle/>
+          <a:p>
+            <a:endParaRPr lang="zh-CN" altLang="en-US" dirty="0"/>
+          </a:p>
+        </p:txBody>
+      </p:sp>
+    </p:spTree>
+    <p:extLst>
+      <p:ext uri="{BB962C8B-B14F-4D97-AF65-F5344CB8AC3E}">
+        <p14:creationId xmlns:p14="http://schemas.microsoft.com/office/powerpoint/2010/main" val="635573952"/>
+      </p:ext>
+    </p:extLst>
+  </p:cSld>
+  <p:clrMapOvr>
+    <a:masterClrMapping/>
+  </p:clrMapOvr>
+</p:sld>
+</file>
+
+<file path=ppt/slides/slide24.xml><?xml version="1.0" encoding="utf-8"?>
+<p:sld xmlns:a="http://schemas.openxmlformats.org/drawingml/2006/main" xmlns:r="http://schemas.openxmlformats.org/officeDocument/2006/relationships" xmlns:p="http://schemas.openxmlformats.org/presentationml/2006/main">
+  <p:cSld>
+    <p:spTree>
+      <p:nvGrpSpPr>
+        <p:cNvPr id="1" name=""/>
+        <p:cNvGrpSpPr/>
+        <p:nvPr/>
+      </p:nvGrpSpPr>
+      <p:grpSpPr>
+        <a:xfrm>
+          <a:off x="0" y="0"/>
+          <a:ext cx="0" cy="0"/>
+          <a:chOff x="0" y="0"/>
+          <a:chExt cx="0" cy="0"/>
+        </a:xfrm>
+      </p:grpSpPr>
+      <p:sp>
+        <p:nvSpPr>
+          <p:cNvPr id="2" name="标题 1"/>
+          <p:cNvSpPr>
+            <a:spLocks noGrp="1"/>
+          </p:cNvSpPr>
+          <p:nvPr>
+            <p:ph type="title"/>
+          </p:nvPr>
+        </p:nvSpPr>
+        <p:spPr/>
+        <p:txBody>
+          <a:bodyPr/>
+          <a:lstStyle/>
+          <a:p>
+            <a:r>
+              <a:rPr lang="en-US" altLang="zh-CN" dirty="0" err="1" smtClean="0"/>
+              <a:t>prepareContext</a:t>
+            </a:r>
+            <a:endParaRPr lang="zh-CN" altLang="en-US" dirty="0"/>
+          </a:p>
+        </p:txBody>
+      </p:sp>
+      <p:sp>
+        <p:nvSpPr>
+          <p:cNvPr id="3" name="内容占位符 2"/>
+          <p:cNvSpPr>
+            <a:spLocks noGrp="1"/>
+          </p:cNvSpPr>
+          <p:nvPr>
+            <p:ph idx="1"/>
+          </p:nvPr>
+        </p:nvSpPr>
+        <p:spPr/>
+        <p:txBody>
+          <a:bodyPr/>
+          <a:lstStyle/>
+          <a:p>
+            <a:r>
+              <a:rPr lang="en-US" altLang="zh-CN" dirty="0" smtClean="0"/>
+              <a:t>Load</a:t>
+            </a:r>
+          </a:p>
+          <a:p>
+            <a:pPr lvl="1"/>
+            <a:r>
+              <a:rPr lang="en-US" altLang="zh-CN" dirty="0" err="1"/>
+              <a:t>this.primarySources</a:t>
+            </a:r>
+            <a:r>
+              <a:rPr lang="en-US" altLang="zh-CN" dirty="0"/>
+              <a:t> = new </a:t>
+            </a:r>
+            <a:r>
+              <a:rPr lang="en-US" altLang="zh-CN" dirty="0" err="1"/>
+              <a:t>LinkedHashSet</a:t>
+            </a:r>
+            <a:r>
+              <a:rPr lang="en-US" altLang="zh-CN" dirty="0"/>
+              <a:t>&lt;&gt;</a:t>
+            </a:r>
+            <a:r>
+              <a:rPr lang="en-US" altLang="zh-CN" dirty="0" err="1"/>
+              <a:t>Arrays.asList</a:t>
+            </a:r>
+            <a:r>
+              <a:rPr lang="en-US" altLang="zh-CN" dirty="0"/>
+              <a:t>(</a:t>
+            </a:r>
+            <a:r>
+              <a:rPr lang="en-US" altLang="zh-CN" dirty="0" err="1"/>
+              <a:t>primarySources</a:t>
+            </a:r>
+            <a:r>
+              <a:rPr lang="en-US" altLang="zh-CN" dirty="0"/>
+              <a:t>));   </a:t>
+            </a:r>
+            <a:endParaRPr lang="en-US" altLang="zh-CN" dirty="0" smtClean="0"/>
+          </a:p>
+          <a:p>
+            <a:pPr lvl="1"/>
+            <a:r>
+              <a:rPr lang="zh-CN" altLang="en-US" dirty="0" smtClean="0"/>
+              <a:t>看上去是手动把类加入</a:t>
+            </a:r>
+            <a:r>
+              <a:rPr lang="en-US" altLang="zh-CN" dirty="0" smtClean="0"/>
+              <a:t>Spring</a:t>
+            </a:r>
+            <a:r>
+              <a:rPr lang="zh-CN" altLang="en-US" dirty="0"/>
+              <a:t>容器</a:t>
+            </a:r>
+          </a:p>
+        </p:txBody>
+      </p:sp>
+    </p:spTree>
+    <p:extLst>
+      <p:ext uri="{BB962C8B-B14F-4D97-AF65-F5344CB8AC3E}">
+        <p14:creationId xmlns:p14="http://schemas.microsoft.com/office/powerpoint/2010/main" val="277240693"/>
+      </p:ext>
+    </p:extLst>
+  </p:cSld>
+  <p:clrMapOvr>
+    <a:masterClrMapping/>
+  </p:clrMapOvr>
+</p:sld>
+</file>
+
+<file path=ppt/slides/slide25.xml><?xml version="1.0" encoding="utf-8"?>
+<p:sld xmlns:a="http://schemas.openxmlformats.org/drawingml/2006/main" xmlns:r="http://schemas.openxmlformats.org/officeDocument/2006/relationships" xmlns:p="http://schemas.openxmlformats.org/presentationml/2006/main">
+  <p:cSld>
+    <p:spTree>
+      <p:nvGrpSpPr>
+        <p:cNvPr id="1" name=""/>
+        <p:cNvGrpSpPr/>
+        <p:nvPr/>
+      </p:nvGrpSpPr>
+      <p:grpSpPr>
+        <a:xfrm>
+          <a:off x="0" y="0"/>
+          <a:ext cx="0" cy="0"/>
+          <a:chOff x="0" y="0"/>
+          <a:chExt cx="0" cy="0"/>
+        </a:xfrm>
+      </p:grpSpPr>
+      <p:sp>
+        <p:nvSpPr>
+          <p:cNvPr id="2" name="标题 1"/>
+          <p:cNvSpPr>
+            <a:spLocks noGrp="1"/>
+          </p:cNvSpPr>
+          <p:nvPr>
+            <p:ph type="title"/>
+          </p:nvPr>
+        </p:nvSpPr>
+        <p:spPr/>
+        <p:txBody>
+          <a:bodyPr/>
+          <a:lstStyle/>
+          <a:p>
+            <a:r>
               <a:rPr lang="en-US" altLang="zh-CN" dirty="0" smtClean="0"/>
               <a:t>Spring Annotation</a:t>
             </a:r>
@@ -9347,6 +9769,98 @@
     <p:extLst>
       <p:ext uri="{BB962C8B-B14F-4D97-AF65-F5344CB8AC3E}">
         <p14:creationId xmlns:p14="http://schemas.microsoft.com/office/powerpoint/2010/main" val="3468618542"/>
+      </p:ext>
+    </p:extLst>
+  </p:cSld>
+  <p:clrMapOvr>
+    <a:masterClrMapping/>
+  </p:clrMapOvr>
+</p:sld>
+</file>
+
+<file path=ppt/slides/slide26.xml><?xml version="1.0" encoding="utf-8"?>
+<p:sld xmlns:a="http://schemas.openxmlformats.org/drawingml/2006/main" xmlns:r="http://schemas.openxmlformats.org/officeDocument/2006/relationships" xmlns:p="http://schemas.openxmlformats.org/presentationml/2006/main">
+  <p:cSld>
+    <p:spTree>
+      <p:nvGrpSpPr>
+        <p:cNvPr id="1" name=""/>
+        <p:cNvGrpSpPr/>
+        <p:nvPr/>
+      </p:nvGrpSpPr>
+      <p:grpSpPr>
+        <a:xfrm>
+          <a:off x="0" y="0"/>
+          <a:ext cx="0" cy="0"/>
+          <a:chOff x="0" y="0"/>
+          <a:chExt cx="0" cy="0"/>
+        </a:xfrm>
+      </p:grpSpPr>
+      <p:sp>
+        <p:nvSpPr>
+          <p:cNvPr id="2" name="标题 1"/>
+          <p:cNvSpPr>
+            <a:spLocks noGrp="1"/>
+          </p:cNvSpPr>
+          <p:nvPr>
+            <p:ph type="title"/>
+          </p:nvPr>
+        </p:nvSpPr>
+        <p:spPr/>
+        <p:txBody>
+          <a:bodyPr/>
+          <a:lstStyle/>
+          <a:p>
+            <a:endParaRPr lang="zh-CN" altLang="en-US"/>
+          </a:p>
+        </p:txBody>
+      </p:sp>
+      <p:sp>
+        <p:nvSpPr>
+          <p:cNvPr id="3" name="内容占位符 2"/>
+          <p:cNvSpPr>
+            <a:spLocks noGrp="1"/>
+          </p:cNvSpPr>
+          <p:nvPr>
+            <p:ph idx="1"/>
+          </p:nvPr>
+        </p:nvSpPr>
+        <p:spPr/>
+        <p:txBody>
+          <a:bodyPr/>
+          <a:lstStyle/>
+          <a:p>
+            <a:endParaRPr lang="zh-CN" altLang="en-US" dirty="0"/>
+          </a:p>
+        </p:txBody>
+      </p:sp>
+      <p:pic>
+        <p:nvPicPr>
+          <p:cNvPr id="4" name="图片 3"/>
+          <p:cNvPicPr>
+            <a:picLocks noChangeAspect="1"/>
+          </p:cNvPicPr>
+          <p:nvPr/>
+        </p:nvPicPr>
+        <p:blipFill>
+          <a:blip r:embed="rId2"/>
+          <a:stretch>
+            <a:fillRect/>
+          </a:stretch>
+        </p:blipFill>
+        <p:spPr>
+          <a:xfrm>
+            <a:off x="838200" y="1825626"/>
+            <a:ext cx="10515600" cy="4351338"/>
+          </a:xfrm>
+          <a:prstGeom prst="rect">
+            <a:avLst/>
+          </a:prstGeom>
+        </p:spPr>
+      </p:pic>
+    </p:spTree>
+    <p:extLst>
+      <p:ext uri="{BB962C8B-B14F-4D97-AF65-F5344CB8AC3E}">
+        <p14:creationId xmlns:p14="http://schemas.microsoft.com/office/powerpoint/2010/main" val="3865317882"/>
       </p:ext>
     </p:extLst>
   </p:cSld>

--- a/docs/Springboot process.pptx
+++ b/docs/Springboot process.pptx
@@ -1,39 +1,39 @@
 
 <file path=ppt/presentation.xml><?xml version="1.0" encoding="utf-8"?>
-<p:presentation xmlns:a="http://schemas.openxmlformats.org/drawingml/2006/main" xmlns:r="http://schemas.openxmlformats.org/officeDocument/2006/relationships" xmlns:p="http://schemas.openxmlformats.org/presentationml/2006/main" saveSubsetFonts="1">
+<p:presentation xmlns:a="http://schemas.openxmlformats.org/drawingml/2006/main" xmlns:r="http://schemas.openxmlformats.org/officeDocument/2006/relationships" xmlns:p="http://schemas.openxmlformats.org/presentationml/2006/main">
   <p:sldMasterIdLst>
     <p:sldMasterId id="2147483648" r:id="rId1"/>
   </p:sldMasterIdLst>
   <p:notesMasterIdLst>
-    <p:notesMasterId r:id="rId28"/>
+    <p:notesMasterId r:id="rId4"/>
   </p:notesMasterIdLst>
   <p:sldIdLst>
-    <p:sldId id="256" r:id="rId2"/>
-    <p:sldId id="257" r:id="rId3"/>
-    <p:sldId id="269" r:id="rId4"/>
-    <p:sldId id="271" r:id="rId5"/>
-    <p:sldId id="272" r:id="rId6"/>
-    <p:sldId id="267" r:id="rId7"/>
-    <p:sldId id="261" r:id="rId8"/>
-    <p:sldId id="263" r:id="rId9"/>
-    <p:sldId id="262" r:id="rId10"/>
-    <p:sldId id="264" r:id="rId11"/>
-    <p:sldId id="265" r:id="rId12"/>
-    <p:sldId id="268" r:id="rId13"/>
-    <p:sldId id="266" r:id="rId14"/>
-    <p:sldId id="273" r:id="rId15"/>
-    <p:sldId id="259" r:id="rId16"/>
-    <p:sldId id="274" r:id="rId17"/>
-    <p:sldId id="275" r:id="rId18"/>
-    <p:sldId id="276" r:id="rId19"/>
-    <p:sldId id="277" r:id="rId20"/>
-    <p:sldId id="281" r:id="rId21"/>
-    <p:sldId id="278" r:id="rId22"/>
-    <p:sldId id="282" r:id="rId23"/>
-    <p:sldId id="279" r:id="rId24"/>
-    <p:sldId id="280" r:id="rId25"/>
-    <p:sldId id="260" r:id="rId26"/>
-    <p:sldId id="283" r:id="rId27"/>
+    <p:sldId id="256" r:id="rId3"/>
+    <p:sldId id="257" r:id="rId5"/>
+    <p:sldId id="269" r:id="rId6"/>
+    <p:sldId id="271" r:id="rId7"/>
+    <p:sldId id="272" r:id="rId8"/>
+    <p:sldId id="267" r:id="rId9"/>
+    <p:sldId id="261" r:id="rId10"/>
+    <p:sldId id="263" r:id="rId11"/>
+    <p:sldId id="262" r:id="rId12"/>
+    <p:sldId id="264" r:id="rId13"/>
+    <p:sldId id="265" r:id="rId14"/>
+    <p:sldId id="268" r:id="rId15"/>
+    <p:sldId id="266" r:id="rId16"/>
+    <p:sldId id="273" r:id="rId17"/>
+    <p:sldId id="259" r:id="rId18"/>
+    <p:sldId id="274" r:id="rId19"/>
+    <p:sldId id="275" r:id="rId20"/>
+    <p:sldId id="276" r:id="rId21"/>
+    <p:sldId id="277" r:id="rId22"/>
+    <p:sldId id="281" r:id="rId23"/>
+    <p:sldId id="278" r:id="rId24"/>
+    <p:sldId id="282" r:id="rId25"/>
+    <p:sldId id="279" r:id="rId26"/>
+    <p:sldId id="280" r:id="rId27"/>
+    <p:sldId id="260" r:id="rId28"/>
+    <p:sldId id="283" r:id="rId29"/>
   </p:sldIdLst>
   <p:sldSz cx="12192000" cy="6858000"/>
   <p:notesSz cx="6858000" cy="9144000"/>
@@ -183,9 +183,6 @@
         </p14:section>
       </p14:sectionLst>
     </p:ext>
-    <p:ext uri="{EFAFB233-063F-42B5-8137-9DF3F51BA10A}">
-      <p15:sldGuideLst xmlns:p15="http://schemas.microsoft.com/office/powerpoint/2012/main"/>
-    </p:ext>
   </p:extLst>
 </p:presentation>
 </file>
@@ -272,7 +269,6 @@
           <a:p>
             <a:fld id="{605642B1-0632-46CA-8265-30E633938A9B}" type="datetimeFigureOut">
               <a:rPr lang="zh-CN" altLang="en-US" smtClean="0"/>
-              <a:t>2019/2/17</a:t>
             </a:fld>
             <a:endParaRPr lang="zh-CN" altLang="en-US"/>
           </a:p>
@@ -339,6 +335,7 @@
               <a:rPr lang="zh-CN" altLang="en-US" smtClean="0"/>
               <a:t>单击此处编辑母版文本样式</a:t>
             </a:r>
+            <a:endParaRPr lang="zh-CN" altLang="en-US" smtClean="0"/>
           </a:p>
           <a:p>
             <a:pPr lvl="1"/>
@@ -346,6 +343,7 @@
               <a:rPr lang="zh-CN" altLang="en-US" smtClean="0"/>
               <a:t>第二级</a:t>
             </a:r>
+            <a:endParaRPr lang="zh-CN" altLang="en-US" smtClean="0"/>
           </a:p>
           <a:p>
             <a:pPr lvl="2"/>
@@ -353,6 +351,7 @@
               <a:rPr lang="zh-CN" altLang="en-US" smtClean="0"/>
               <a:t>第三级</a:t>
             </a:r>
+            <a:endParaRPr lang="zh-CN" altLang="en-US" smtClean="0"/>
           </a:p>
           <a:p>
             <a:pPr lvl="3"/>
@@ -360,6 +359,7 @@
               <a:rPr lang="zh-CN" altLang="en-US" smtClean="0"/>
               <a:t>第四级</a:t>
             </a:r>
+            <a:endParaRPr lang="zh-CN" altLang="en-US" smtClean="0"/>
           </a:p>
           <a:p>
             <a:pPr lvl="4"/>
@@ -431,18 +431,12 @@
           <a:p>
             <a:fld id="{CEFBB580-F612-4334-822A-2D827F2CBD38}" type="slidenum">
               <a:rPr lang="zh-CN" altLang="en-US" smtClean="0"/>
-              <a:t>‹#›</a:t>
             </a:fld>
             <a:endParaRPr lang="zh-CN" altLang="en-US"/>
           </a:p>
         </p:txBody>
       </p:sp>
     </p:spTree>
-    <p:extLst>
-      <p:ext uri="{BB962C8B-B14F-4D97-AF65-F5344CB8AC3E}">
-        <p14:creationId xmlns:p14="http://schemas.microsoft.com/office/powerpoint/2010/main" val="3558429631"/>
-      </p:ext>
-    </p:extLst>
   </p:cSld>
   <p:clrMap bg1="lt1" tx1="dk1" bg2="lt2" tx2="dk2" accent1="accent1" accent2="accent2" accent3="accent3" accent4="accent4" accent5="accent5" accent6="accent6" hlink="hlink" folHlink="folHlink"/>
   <p:notesStyle>
@@ -605,18 +599,12 @@
           <a:p>
             <a:fld id="{CEFBB580-F612-4334-822A-2D827F2CBD38}" type="slidenum">
               <a:rPr lang="zh-CN" altLang="en-US" smtClean="0"/>
-              <a:t>1</a:t>
             </a:fld>
             <a:endParaRPr lang="zh-CN" altLang="en-US"/>
           </a:p>
         </p:txBody>
       </p:sp>
     </p:spTree>
-    <p:extLst>
-      <p:ext uri="{BB962C8B-B14F-4D97-AF65-F5344CB8AC3E}">
-        <p14:creationId xmlns:p14="http://schemas.microsoft.com/office/powerpoint/2010/main" val="1249980481"/>
-      </p:ext>
-    </p:extLst>
   </p:cSld>
   <p:clrMapOvr>
     <a:masterClrMapping/>
@@ -672,11 +660,12 @@
               <a:rPr lang="en-US" altLang="zh-CN" dirty="0" smtClean="0"/>
               <a:t>https://www.colabug.com/3756277.html</a:t>
             </a:r>
-          </a:p>
-          <a:p>
             <a:endParaRPr lang="en-US" altLang="zh-CN" dirty="0" smtClean="0"/>
           </a:p>
           <a:p>
+            <a:endParaRPr lang="en-US" altLang="zh-CN" dirty="0" smtClean="0"/>
+          </a:p>
+          <a:p>
             <a:r>
               <a:rPr lang="en-US" altLang="zh-CN" sz="1200" b="0" i="0" kern="1200" dirty="0" err="1" smtClean="0">
                 <a:solidFill>
@@ -773,6 +762,15 @@
               </a:rPr>
               <a:t>)</a:t>
             </a:r>
+            <a:endParaRPr lang="en-US" altLang="zh-CN" sz="1200" b="0" i="0" kern="1200" dirty="0" smtClean="0">
+              <a:solidFill>
+                <a:schemeClr val="tx1"/>
+              </a:solidFill>
+              <a:effectLst/>
+              <a:latin typeface="+mn-lt"/>
+              <a:ea typeface="+mn-ea"/>
+              <a:cs typeface="+mn-cs"/>
+            </a:endParaRPr>
           </a:p>
           <a:p>
             <a:r>
@@ -895,6 +893,15 @@
               </a:rPr>
               <a:t>)</a:t>
             </a:r>
+            <a:endParaRPr lang="en-US" altLang="zh-CN" sz="1200" b="0" i="0" kern="1200" dirty="0" smtClean="0">
+              <a:solidFill>
+                <a:schemeClr val="tx1"/>
+              </a:solidFill>
+              <a:effectLst/>
+              <a:latin typeface="+mn-lt"/>
+              <a:ea typeface="+mn-ea"/>
+              <a:cs typeface="+mn-cs"/>
+            </a:endParaRPr>
           </a:p>
           <a:p>
             <a:r>
@@ -993,6 +1000,15 @@
               </a:rPr>
               <a:t>)</a:t>
             </a:r>
+            <a:endParaRPr lang="en-US" altLang="zh-CN" sz="1200" b="0" i="0" kern="1200" dirty="0" smtClean="0">
+              <a:solidFill>
+                <a:schemeClr val="tx1"/>
+              </a:solidFill>
+              <a:effectLst/>
+              <a:latin typeface="+mn-lt"/>
+              <a:ea typeface="+mn-ea"/>
+              <a:cs typeface="+mn-cs"/>
+            </a:endParaRPr>
           </a:p>
           <a:p>
             <a:r>
@@ -1091,6 +1107,15 @@
               </a:rPr>
               <a:t>8080)</a:t>
             </a:r>
+            <a:endParaRPr lang="en-US" altLang="zh-CN" sz="1200" b="0" i="0" kern="1200" dirty="0" smtClean="0">
+              <a:solidFill>
+                <a:schemeClr val="tx1"/>
+              </a:solidFill>
+              <a:effectLst/>
+              <a:latin typeface="+mn-lt"/>
+              <a:ea typeface="+mn-ea"/>
+              <a:cs typeface="+mn-cs"/>
+            </a:endParaRPr>
           </a:p>
           <a:p>
             <a:endParaRPr lang="en-US" altLang="zh-CN" dirty="0" smtClean="0"/>
@@ -1114,18 +1139,12 @@
           <a:p>
             <a:fld id="{CEFBB580-F612-4334-822A-2D827F2CBD38}" type="slidenum">
               <a:rPr lang="zh-CN" altLang="en-US" smtClean="0"/>
-              <a:t>13</a:t>
             </a:fld>
             <a:endParaRPr lang="zh-CN" altLang="en-US"/>
           </a:p>
         </p:txBody>
       </p:sp>
     </p:spTree>
-    <p:extLst>
-      <p:ext uri="{BB962C8B-B14F-4D97-AF65-F5344CB8AC3E}">
-        <p14:creationId xmlns:p14="http://schemas.microsoft.com/office/powerpoint/2010/main" val="1585428101"/>
-      </p:ext>
-    </p:extLst>
   </p:cSld>
   <p:clrMapOvr>
     <a:masterClrMapping/>
@@ -1225,6 +1244,15 @@
               </a:rPr>
               <a:t>)</a:t>
             </a:r>
+            <a:endParaRPr lang="en-US" altLang="zh-CN" sz="1200" b="0" i="0" kern="1200" dirty="0" smtClean="0">
+              <a:solidFill>
+                <a:schemeClr val="tx1"/>
+              </a:solidFill>
+              <a:effectLst/>
+              <a:latin typeface="+mn-lt"/>
+              <a:ea typeface="+mn-ea"/>
+              <a:cs typeface="+mn-cs"/>
+            </a:endParaRPr>
           </a:p>
           <a:p>
             <a:r>
@@ -1299,6 +1327,15 @@
               </a:rPr>
               <a:t>)</a:t>
             </a:r>
+            <a:endParaRPr lang="en-US" altLang="zh-CN" sz="1200" b="0" i="0" kern="1200" dirty="0" smtClean="0">
+              <a:solidFill>
+                <a:schemeClr val="tx1"/>
+              </a:solidFill>
+              <a:effectLst/>
+              <a:latin typeface="+mn-lt"/>
+              <a:ea typeface="+mn-ea"/>
+              <a:cs typeface="+mn-cs"/>
+            </a:endParaRPr>
           </a:p>
           <a:p>
             <a:r>
@@ -1409,6 +1446,15 @@
               </a:rPr>
               <a:t>)</a:t>
             </a:r>
+            <a:endParaRPr lang="en-US" altLang="zh-CN" sz="1200" b="0" i="0" kern="1200" dirty="0" smtClean="0">
+              <a:solidFill>
+                <a:schemeClr val="tx1"/>
+              </a:solidFill>
+              <a:effectLst/>
+              <a:latin typeface="+mn-lt"/>
+              <a:ea typeface="+mn-ea"/>
+              <a:cs typeface="+mn-cs"/>
+            </a:endParaRPr>
           </a:p>
           <a:p>
             <a:r>
@@ -1483,6 +1529,15 @@
               </a:rPr>
               <a:t>)</a:t>
             </a:r>
+            <a:endParaRPr lang="en-US" altLang="zh-CN" sz="1200" b="0" i="0" kern="1200" dirty="0" smtClean="0">
+              <a:solidFill>
+                <a:schemeClr val="tx1"/>
+              </a:solidFill>
+              <a:effectLst/>
+              <a:latin typeface="+mn-lt"/>
+              <a:ea typeface="+mn-ea"/>
+              <a:cs typeface="+mn-cs"/>
+            </a:endParaRPr>
           </a:p>
           <a:p>
             <a:r>
@@ -1581,6 +1636,15 @@
               </a:rPr>
               <a:t>)</a:t>
             </a:r>
+            <a:endParaRPr lang="en-US" altLang="zh-CN" sz="1200" b="0" i="0" kern="1200" dirty="0" smtClean="0">
+              <a:solidFill>
+                <a:schemeClr val="tx1"/>
+              </a:solidFill>
+              <a:effectLst/>
+              <a:latin typeface="+mn-lt"/>
+              <a:ea typeface="+mn-ea"/>
+              <a:cs typeface="+mn-cs"/>
+            </a:endParaRPr>
           </a:p>
           <a:p>
             <a:r>
@@ -1631,6 +1695,15 @@
               </a:rPr>
               <a:t>)</a:t>
             </a:r>
+            <a:endParaRPr lang="en-US" altLang="zh-CN" sz="1200" b="0" i="0" kern="1200" dirty="0" smtClean="0">
+              <a:solidFill>
+                <a:schemeClr val="tx1"/>
+              </a:solidFill>
+              <a:effectLst/>
+              <a:latin typeface="+mn-lt"/>
+              <a:ea typeface="+mn-ea"/>
+              <a:cs typeface="+mn-cs"/>
+            </a:endParaRPr>
           </a:p>
           <a:p>
             <a:r>
@@ -1705,6 +1778,15 @@
               </a:rPr>
               <a:t>debug)</a:t>
             </a:r>
+            <a:endParaRPr lang="en-US" altLang="zh-CN" sz="1200" b="0" i="0" kern="1200" dirty="0" smtClean="0">
+              <a:solidFill>
+                <a:schemeClr val="tx1"/>
+              </a:solidFill>
+              <a:effectLst/>
+              <a:latin typeface="+mn-lt"/>
+              <a:ea typeface="+mn-ea"/>
+              <a:cs typeface="+mn-cs"/>
+            </a:endParaRPr>
           </a:p>
           <a:p>
             <a:r>
@@ -1755,6 +1837,15 @@
               </a:rPr>
               <a:t>)</a:t>
             </a:r>
+            <a:endParaRPr lang="en-US" altLang="zh-CN" sz="1200" b="0" i="0" kern="1200" dirty="0" smtClean="0">
+              <a:solidFill>
+                <a:schemeClr val="tx1"/>
+              </a:solidFill>
+              <a:effectLst/>
+              <a:latin typeface="+mn-lt"/>
+              <a:ea typeface="+mn-ea"/>
+              <a:cs typeface="+mn-cs"/>
+            </a:endParaRPr>
           </a:p>
           <a:p>
             <a:r>
@@ -1894,18 +1985,12 @@
           <a:p>
             <a:fld id="{CEFBB580-F612-4334-822A-2D827F2CBD38}" type="slidenum">
               <a:rPr lang="zh-CN" altLang="en-US" smtClean="0"/>
-              <a:t>14</a:t>
             </a:fld>
             <a:endParaRPr lang="zh-CN" altLang="en-US"/>
           </a:p>
         </p:txBody>
       </p:sp>
     </p:spTree>
-    <p:extLst>
-      <p:ext uri="{BB962C8B-B14F-4D97-AF65-F5344CB8AC3E}">
-        <p14:creationId xmlns:p14="http://schemas.microsoft.com/office/powerpoint/2010/main" val="1750325411"/>
-      </p:ext>
-    </p:extLst>
   </p:cSld>
   <p:clrMapOvr>
     <a:masterClrMapping/>
@@ -2008,6 +2093,7 @@
               <a:rPr lang="en-US" altLang="zh-CN" dirty="0" smtClean="0"/>
               <a:t>]));</a:t>
             </a:r>
+            <a:endParaRPr lang="en-US" altLang="zh-CN" dirty="0" smtClean="0"/>
           </a:p>
           <a:p>
             <a:r>
@@ -2018,11 +2104,12 @@
               <a:rPr lang="en-US" altLang="zh-CN" dirty="0" smtClean="0"/>
               <a:t>Spring bean</a:t>
             </a:r>
-          </a:p>
-          <a:p>
             <a:endParaRPr lang="en-US" altLang="zh-CN" dirty="0" smtClean="0"/>
           </a:p>
           <a:p>
+            <a:endParaRPr lang="en-US" altLang="zh-CN" dirty="0" smtClean="0"/>
+          </a:p>
+          <a:p>
             <a:endParaRPr lang="zh-CN" altLang="en-US" dirty="0"/>
           </a:p>
         </p:txBody>
@@ -2044,18 +2131,12 @@
           <a:p>
             <a:fld id="{CEFBB580-F612-4334-822A-2D827F2CBD38}" type="slidenum">
               <a:rPr lang="zh-CN" altLang="en-US" smtClean="0"/>
-              <a:t>15</a:t>
             </a:fld>
             <a:endParaRPr lang="zh-CN" altLang="en-US"/>
           </a:p>
         </p:txBody>
       </p:sp>
     </p:spTree>
-    <p:extLst>
-      <p:ext uri="{BB962C8B-B14F-4D97-AF65-F5344CB8AC3E}">
-        <p14:creationId xmlns:p14="http://schemas.microsoft.com/office/powerpoint/2010/main" val="2630979750"/>
-      </p:ext>
-    </p:extLst>
   </p:cSld>
   <p:clrMapOvr>
     <a:masterClrMapping/>
@@ -2140,18 +2221,12 @@
           <a:p>
             <a:fld id="{CEFBB580-F612-4334-822A-2D827F2CBD38}" type="slidenum">
               <a:rPr lang="zh-CN" altLang="en-US" smtClean="0"/>
-              <a:t>17</a:t>
             </a:fld>
             <a:endParaRPr lang="zh-CN" altLang="en-US"/>
           </a:p>
         </p:txBody>
       </p:sp>
     </p:spTree>
-    <p:extLst>
-      <p:ext uri="{BB962C8B-B14F-4D97-AF65-F5344CB8AC3E}">
-        <p14:creationId xmlns:p14="http://schemas.microsoft.com/office/powerpoint/2010/main" val="2344227223"/>
-      </p:ext>
-    </p:extLst>
   </p:cSld>
   <p:clrMapOvr>
     <a:masterClrMapping/>
@@ -2232,18 +2307,12 @@
           <a:p>
             <a:fld id="{CEFBB580-F612-4334-822A-2D827F2CBD38}" type="slidenum">
               <a:rPr lang="zh-CN" altLang="en-US" smtClean="0"/>
-              <a:t>18</a:t>
             </a:fld>
             <a:endParaRPr lang="zh-CN" altLang="en-US"/>
           </a:p>
         </p:txBody>
       </p:sp>
     </p:spTree>
-    <p:extLst>
-      <p:ext uri="{BB962C8B-B14F-4D97-AF65-F5344CB8AC3E}">
-        <p14:creationId xmlns:p14="http://schemas.microsoft.com/office/powerpoint/2010/main" val="182116152"/>
-      </p:ext>
-    </p:extLst>
   </p:cSld>
   <p:clrMapOvr>
     <a:masterClrMapping/>
@@ -2316,18 +2385,12 @@
           <a:p>
             <a:fld id="{CEFBB580-F612-4334-822A-2D827F2CBD38}" type="slidenum">
               <a:rPr lang="zh-CN" altLang="en-US" smtClean="0"/>
-              <a:t>19</a:t>
             </a:fld>
             <a:endParaRPr lang="zh-CN" altLang="en-US"/>
           </a:p>
         </p:txBody>
       </p:sp>
     </p:spTree>
-    <p:extLst>
-      <p:ext uri="{BB962C8B-B14F-4D97-AF65-F5344CB8AC3E}">
-        <p14:creationId xmlns:p14="http://schemas.microsoft.com/office/powerpoint/2010/main" val="2469397242"/>
-      </p:ext>
-    </p:extLst>
   </p:cSld>
   <p:clrMapOvr>
     <a:masterClrMapping/>
@@ -2400,18 +2463,12 @@
           <a:p>
             <a:fld id="{CEFBB580-F612-4334-822A-2D827F2CBD38}" type="slidenum">
               <a:rPr lang="zh-CN" altLang="en-US" smtClean="0"/>
-              <a:t>20</a:t>
             </a:fld>
             <a:endParaRPr lang="zh-CN" altLang="en-US"/>
           </a:p>
         </p:txBody>
       </p:sp>
     </p:spTree>
-    <p:extLst>
-      <p:ext uri="{BB962C8B-B14F-4D97-AF65-F5344CB8AC3E}">
-        <p14:creationId xmlns:p14="http://schemas.microsoft.com/office/powerpoint/2010/main" val="2478396852"/>
-      </p:ext>
-    </p:extLst>
   </p:cSld>
   <p:clrMapOvr>
     <a:masterClrMapping/>
@@ -2484,18 +2541,12 @@
           <a:p>
             <a:fld id="{CEFBB580-F612-4334-822A-2D827F2CBD38}" type="slidenum">
               <a:rPr lang="zh-CN" altLang="en-US" smtClean="0"/>
-              <a:t>21</a:t>
             </a:fld>
             <a:endParaRPr lang="zh-CN" altLang="en-US"/>
           </a:p>
         </p:txBody>
       </p:sp>
     </p:spTree>
-    <p:extLst>
-      <p:ext uri="{BB962C8B-B14F-4D97-AF65-F5344CB8AC3E}">
-        <p14:creationId xmlns:p14="http://schemas.microsoft.com/office/powerpoint/2010/main" val="2944918348"/>
-      </p:ext>
-    </p:extLst>
   </p:cSld>
   <p:clrMapOvr>
     <a:masterClrMapping/>
@@ -2551,6 +2602,7 @@
               <a:rPr lang="en-US" altLang="zh-CN" dirty="0" smtClean="0"/>
               <a:t>https://www.cnblogs.com/tanliwei/p/9304072.html</a:t>
             </a:r>
+            <a:endParaRPr lang="en-US" altLang="zh-CN" dirty="0" smtClean="0"/>
           </a:p>
           <a:p>
             <a:r>
@@ -2578,18 +2630,12 @@
           <a:p>
             <a:fld id="{CEFBB580-F612-4334-822A-2D827F2CBD38}" type="slidenum">
               <a:rPr lang="zh-CN" altLang="en-US" smtClean="0"/>
-              <a:t>22</a:t>
             </a:fld>
             <a:endParaRPr lang="zh-CN" altLang="en-US"/>
           </a:p>
         </p:txBody>
       </p:sp>
     </p:spTree>
-    <p:extLst>
-      <p:ext uri="{BB962C8B-B14F-4D97-AF65-F5344CB8AC3E}">
-        <p14:creationId xmlns:p14="http://schemas.microsoft.com/office/powerpoint/2010/main" val="680887780"/>
-      </p:ext>
-    </p:extLst>
   </p:cSld>
   <p:clrMapOvr>
     <a:masterClrMapping/>
@@ -2660,8 +2706,18 @@
               <a:rPr lang="en-US" altLang="zh-CN" dirty="0" err="1" smtClean="0"/>
               <a:t>dev.yml</a:t>
             </a:r>
+            <a:endParaRPr lang="en-US" altLang="zh-CN" dirty="0" err="1" smtClean="0"/>
+          </a:p>
+          <a:p>
             <a:endParaRPr lang="zh-CN" altLang="en-US" dirty="0"/>
           </a:p>
+          <a:p>
+            <a:r>
+              <a:rPr lang="zh-CN" altLang="en-US" dirty="0"/>
+              <a:t>Designed for direct instantiation but also exposes the static addApplicationConverters  and addApplicationFormatters(FormatterRegistry) utility methods for ad-hoc use against registry instance.</a:t>
+            </a:r>
+            <a:endParaRPr lang="zh-CN" altLang="en-US" dirty="0"/>
+          </a:p>
         </p:txBody>
       </p:sp>
       <p:sp>
@@ -2681,18 +2737,12 @@
           <a:p>
             <a:fld id="{CEFBB580-F612-4334-822A-2D827F2CBD38}" type="slidenum">
               <a:rPr lang="zh-CN" altLang="en-US" smtClean="0"/>
-              <a:t>23</a:t>
             </a:fld>
             <a:endParaRPr lang="zh-CN" altLang="en-US"/>
           </a:p>
         </p:txBody>
       </p:sp>
     </p:spTree>
-    <p:extLst>
-      <p:ext uri="{BB962C8B-B14F-4D97-AF65-F5344CB8AC3E}">
-        <p14:creationId xmlns:p14="http://schemas.microsoft.com/office/powerpoint/2010/main" val="1867468882"/>
-      </p:ext>
-    </p:extLst>
   </p:cSld>
   <p:clrMapOvr>
     <a:masterClrMapping/>
@@ -2758,7 +2808,6 @@
               <a:buSzTx/>
               <a:buFontTx/>
               <a:buNone/>
-              <a:tabLst/>
               <a:defRPr/>
             </a:pPr>
             <a:r>
@@ -2780,6 +2829,15 @@
               </a:rPr>
               <a:t>https://github.com/spring-projects/spring-boot/wiki/Building-On-Spring-Boot </a:t>
             </a:r>
+            <a:endParaRPr lang="en-US" altLang="zh-CN" sz="1200" b="0" i="0" kern="1200" dirty="0" smtClean="0">
+              <a:solidFill>
+                <a:schemeClr val="tx1"/>
+              </a:solidFill>
+              <a:effectLst/>
+              <a:latin typeface="+mn-lt"/>
+              <a:ea typeface="+mn-ea"/>
+              <a:cs typeface="+mn-cs"/>
+            </a:endParaRPr>
           </a:p>
           <a:p>
             <a:r>
@@ -2794,6 +2852,15 @@
               </a:rPr>
               <a:t>https://docs.spring.io/spring-boot/docs/current/reference/html/boot-features-developing-auto-configuration.html</a:t>
             </a:r>
+            <a:endParaRPr lang="en-US" altLang="zh-CN" sz="1200" b="0" i="0" kern="1200" dirty="0" smtClean="0">
+              <a:solidFill>
+                <a:schemeClr val="tx1"/>
+              </a:solidFill>
+              <a:effectLst/>
+              <a:latin typeface="+mn-lt"/>
+              <a:ea typeface="+mn-ea"/>
+              <a:cs typeface="+mn-cs"/>
+            </a:endParaRPr>
           </a:p>
           <a:p>
             <a:endParaRPr lang="zh-CN" altLang="en-US" dirty="0"/>
@@ -2817,18 +2884,12 @@
           <a:p>
             <a:fld id="{CEFBB580-F612-4334-822A-2D827F2CBD38}" type="slidenum">
               <a:rPr lang="zh-CN" altLang="en-US" smtClean="0"/>
-              <a:t>3</a:t>
             </a:fld>
             <a:endParaRPr lang="zh-CN" altLang="en-US"/>
           </a:p>
         </p:txBody>
       </p:sp>
     </p:spTree>
-    <p:extLst>
-      <p:ext uri="{BB962C8B-B14F-4D97-AF65-F5344CB8AC3E}">
-        <p14:creationId xmlns:p14="http://schemas.microsoft.com/office/powerpoint/2010/main" val="2723790470"/>
-      </p:ext>
-    </p:extLst>
   </p:cSld>
   <p:clrMapOvr>
     <a:masterClrMapping/>
@@ -2905,18 +2966,12 @@
           <a:p>
             <a:fld id="{CEFBB580-F612-4334-822A-2D827F2CBD38}" type="slidenum">
               <a:rPr lang="zh-CN" altLang="en-US" smtClean="0"/>
-              <a:t>25</a:t>
             </a:fld>
             <a:endParaRPr lang="zh-CN" altLang="en-US"/>
           </a:p>
         </p:txBody>
       </p:sp>
     </p:spTree>
-    <p:extLst>
-      <p:ext uri="{BB962C8B-B14F-4D97-AF65-F5344CB8AC3E}">
-        <p14:creationId xmlns:p14="http://schemas.microsoft.com/office/powerpoint/2010/main" val="1573483054"/>
-      </p:ext>
-    </p:extLst>
   </p:cSld>
   <p:clrMapOvr>
     <a:masterClrMapping/>
@@ -3052,6 +3107,15 @@
               </a:rPr>
               <a:t>它们之间相互关联，但并非简单绑定在一起的：</a:t>
             </a:r>
+            <a:endParaRPr lang="zh-CN" altLang="en-US" sz="1200" b="0" i="0" kern="1200" dirty="0" smtClean="0">
+              <a:solidFill>
+                <a:schemeClr val="tx1"/>
+              </a:solidFill>
+              <a:effectLst/>
+              <a:latin typeface="+mn-lt"/>
+              <a:ea typeface="+mn-ea"/>
+              <a:cs typeface="+mn-cs"/>
+            </a:endParaRPr>
           </a:p>
           <a:p>
             <a:pPr rtl="0"/>
@@ -3151,6 +3215,15 @@
               </a:rPr>
               <a:t>中的其它依赖，就可以提供相关的功能；</a:t>
             </a:r>
+            <a:endParaRPr lang="zh-CN" altLang="en-US" sz="1200" b="0" i="0" kern="1200" dirty="0" smtClean="0">
+              <a:solidFill>
+                <a:schemeClr val="tx1"/>
+              </a:solidFill>
+              <a:effectLst/>
+              <a:latin typeface="+mn-lt"/>
+              <a:ea typeface="+mn-ea"/>
+              <a:cs typeface="+mn-cs"/>
+            </a:endParaRPr>
           </a:p>
           <a:p>
             <a:pPr rtl="0"/>
@@ -3298,6 +3371,15 @@
               </a:rPr>
               <a:t>；</a:t>
             </a:r>
+            <a:endParaRPr lang="zh-CN" altLang="en-US" sz="1200" b="0" i="0" kern="1200" dirty="0" smtClean="0">
+              <a:solidFill>
+                <a:schemeClr val="tx1"/>
+              </a:solidFill>
+              <a:effectLst/>
+              <a:latin typeface="+mn-lt"/>
+              <a:ea typeface="+mn-ea"/>
+              <a:cs typeface="+mn-cs"/>
+            </a:endParaRPr>
           </a:p>
           <a:p>
             <a:pPr rtl="0"/>
@@ -3519,18 +3601,12 @@
           <a:p>
             <a:fld id="{CEFBB580-F612-4334-822A-2D827F2CBD38}" type="slidenum">
               <a:rPr lang="zh-CN" altLang="en-US" smtClean="0"/>
-              <a:t>4</a:t>
             </a:fld>
             <a:endParaRPr lang="zh-CN" altLang="en-US"/>
           </a:p>
         </p:txBody>
       </p:sp>
     </p:spTree>
-    <p:extLst>
-      <p:ext uri="{BB962C8B-B14F-4D97-AF65-F5344CB8AC3E}">
-        <p14:creationId xmlns:p14="http://schemas.microsoft.com/office/powerpoint/2010/main" val="1960678457"/>
-      </p:ext>
-    </p:extLst>
   </p:cSld>
   <p:clrMapOvr>
     <a:masterClrMapping/>
@@ -3636,6 +3712,7 @@
               <a:rPr lang="en-US" altLang="zh-CN" dirty="0" smtClean="0"/>
               <a:t>XXX</a:t>
             </a:r>
+            <a:endParaRPr lang="en-US" altLang="zh-CN" dirty="0" smtClean="0"/>
           </a:p>
           <a:p>
             <a:pPr marL="228600" indent="-228600">
@@ -3680,18 +3757,12 @@
           <a:p>
             <a:fld id="{CEFBB580-F612-4334-822A-2D827F2CBD38}" type="slidenum">
               <a:rPr lang="zh-CN" altLang="en-US" smtClean="0"/>
-              <a:t>5</a:t>
             </a:fld>
             <a:endParaRPr lang="zh-CN" altLang="en-US"/>
           </a:p>
         </p:txBody>
       </p:sp>
     </p:spTree>
-    <p:extLst>
-      <p:ext uri="{BB962C8B-B14F-4D97-AF65-F5344CB8AC3E}">
-        <p14:creationId xmlns:p14="http://schemas.microsoft.com/office/powerpoint/2010/main" val="323097378"/>
-      </p:ext>
-    </p:extLst>
   </p:cSld>
   <p:clrMapOvr>
     <a:masterClrMapping/>
@@ -3764,18 +3835,12 @@
           <a:p>
             <a:fld id="{CEFBB580-F612-4334-822A-2D827F2CBD38}" type="slidenum">
               <a:rPr lang="zh-CN" altLang="en-US" smtClean="0"/>
-              <a:t>6</a:t>
             </a:fld>
             <a:endParaRPr lang="zh-CN" altLang="en-US"/>
           </a:p>
         </p:txBody>
       </p:sp>
     </p:spTree>
-    <p:extLst>
-      <p:ext uri="{BB962C8B-B14F-4D97-AF65-F5344CB8AC3E}">
-        <p14:creationId xmlns:p14="http://schemas.microsoft.com/office/powerpoint/2010/main" val="4000242501"/>
-      </p:ext>
-    </p:extLst>
   </p:cSld>
   <p:clrMapOvr>
     <a:masterClrMapping/>
@@ -3858,6 +3923,7 @@
               <a:rPr lang="en-US" altLang="zh-CN" dirty="0" smtClean="0"/>
               <a:t>(Environment environment) {</a:t>
             </a:r>
+            <a:endParaRPr lang="en-US" altLang="zh-CN" dirty="0" smtClean="0"/>
           </a:p>
           <a:p>
             <a:r>
@@ -3929,18 +3995,12 @@
           <a:p>
             <a:fld id="{CEFBB580-F612-4334-822A-2D827F2CBD38}" type="slidenum">
               <a:rPr lang="zh-CN" altLang="en-US" smtClean="0"/>
-              <a:t>7</a:t>
             </a:fld>
             <a:endParaRPr lang="zh-CN" altLang="en-US"/>
           </a:p>
         </p:txBody>
       </p:sp>
     </p:spTree>
-    <p:extLst>
-      <p:ext uri="{BB962C8B-B14F-4D97-AF65-F5344CB8AC3E}">
-        <p14:creationId xmlns:p14="http://schemas.microsoft.com/office/powerpoint/2010/main" val="1004480653"/>
-      </p:ext>
-    </p:extLst>
   </p:cSld>
   <p:clrMapOvr>
     <a:masterClrMapping/>
@@ -4368,18 +4428,12 @@
           <a:p>
             <a:fld id="{CEFBB580-F612-4334-822A-2D827F2CBD38}" type="slidenum">
               <a:rPr lang="zh-CN" altLang="en-US" smtClean="0"/>
-              <a:t>10</a:t>
             </a:fld>
             <a:endParaRPr lang="zh-CN" altLang="en-US"/>
           </a:p>
         </p:txBody>
       </p:sp>
     </p:spTree>
-    <p:extLst>
-      <p:ext uri="{BB962C8B-B14F-4D97-AF65-F5344CB8AC3E}">
-        <p14:creationId xmlns:p14="http://schemas.microsoft.com/office/powerpoint/2010/main" val="1042253040"/>
-      </p:ext>
-    </p:extLst>
   </p:cSld>
   <p:clrMapOvr>
     <a:masterClrMapping/>
@@ -4657,18 +4711,12 @@
           <a:p>
             <a:fld id="{CEFBB580-F612-4334-822A-2D827F2CBD38}" type="slidenum">
               <a:rPr lang="zh-CN" altLang="en-US" smtClean="0"/>
-              <a:t>11</a:t>
             </a:fld>
             <a:endParaRPr lang="zh-CN" altLang="en-US"/>
           </a:p>
         </p:txBody>
       </p:sp>
     </p:spTree>
-    <p:extLst>
-      <p:ext uri="{BB962C8B-B14F-4D97-AF65-F5344CB8AC3E}">
-        <p14:creationId xmlns:p14="http://schemas.microsoft.com/office/powerpoint/2010/main" val="1289265146"/>
-      </p:ext>
-    </p:extLst>
   </p:cSld>
   <p:clrMapOvr>
     <a:masterClrMapping/>
@@ -4749,6 +4797,7 @@
               <a:rPr lang="en-US" altLang="zh-CN" dirty="0" smtClean="0"/>
               <a:t>org.springframework.boot.autoconfigure.logging.ConditionEvaluationReportLoggingListener</a:t>
             </a:r>
+            <a:endParaRPr lang="en-US" altLang="zh-CN" dirty="0" smtClean="0"/>
           </a:p>
           <a:p>
             <a:endParaRPr lang="en-US" altLang="zh-CN" dirty="0" smtClean="0"/>
@@ -4797,18 +4846,12 @@
           <a:p>
             <a:fld id="{CEFBB580-F612-4334-822A-2D827F2CBD38}" type="slidenum">
               <a:rPr lang="zh-CN" altLang="en-US" smtClean="0"/>
-              <a:t>12</a:t>
             </a:fld>
             <a:endParaRPr lang="zh-CN" altLang="en-US"/>
           </a:p>
         </p:txBody>
       </p:sp>
     </p:spTree>
-    <p:extLst>
-      <p:ext uri="{BB962C8B-B14F-4D97-AF65-F5344CB8AC3E}">
-        <p14:creationId xmlns:p14="http://schemas.microsoft.com/office/powerpoint/2010/main" val="1096599791"/>
-      </p:ext>
-    </p:extLst>
   </p:cSld>
   <p:clrMapOvr>
     <a:masterClrMapping/>
@@ -4947,7 +4990,6 @@
           <a:p>
             <a:fld id="{D997B5FA-0921-464F-AAE1-844C04324D75}" type="datetimeFigureOut">
               <a:rPr lang="zh-CN" altLang="en-US" smtClean="0"/>
-              <a:t>2019/2/17</a:t>
             </a:fld>
             <a:endParaRPr lang="zh-CN" altLang="en-US"/>
           </a:p>
@@ -4989,18 +5031,12 @@
           <a:p>
             <a:fld id="{565CE74E-AB26-4998-AD42-012C4C1AD076}" type="slidenum">
               <a:rPr lang="zh-CN" altLang="en-US" smtClean="0"/>
-              <a:t>‹#›</a:t>
             </a:fld>
             <a:endParaRPr lang="zh-CN" altLang="en-US"/>
           </a:p>
         </p:txBody>
       </p:sp>
     </p:spTree>
-    <p:extLst>
-      <p:ext uri="{BB962C8B-B14F-4D97-AF65-F5344CB8AC3E}">
-        <p14:creationId xmlns:p14="http://schemas.microsoft.com/office/powerpoint/2010/main" val="3051827620"/>
-      </p:ext>
-    </p:extLst>
   </p:cSld>
   <p:clrMapOvr>
     <a:masterClrMapping/>
@@ -5068,6 +5104,7 @@
               <a:rPr lang="zh-CN" altLang="en-US" smtClean="0"/>
               <a:t>单击此处编辑母版文本样式</a:t>
             </a:r>
+            <a:endParaRPr lang="zh-CN" altLang="en-US" smtClean="0"/>
           </a:p>
           <a:p>
             <a:pPr lvl="1"/>
@@ -5075,6 +5112,7 @@
               <a:rPr lang="zh-CN" altLang="en-US" smtClean="0"/>
               <a:t>第二级</a:t>
             </a:r>
+            <a:endParaRPr lang="zh-CN" altLang="en-US" smtClean="0"/>
           </a:p>
           <a:p>
             <a:pPr lvl="2"/>
@@ -5082,6 +5120,7 @@
               <a:rPr lang="zh-CN" altLang="en-US" smtClean="0"/>
               <a:t>第三级</a:t>
             </a:r>
+            <a:endParaRPr lang="zh-CN" altLang="en-US" smtClean="0"/>
           </a:p>
           <a:p>
             <a:pPr lvl="3"/>
@@ -5089,6 +5128,7 @@
               <a:rPr lang="zh-CN" altLang="en-US" smtClean="0"/>
               <a:t>第四级</a:t>
             </a:r>
+            <a:endParaRPr lang="zh-CN" altLang="en-US" smtClean="0"/>
           </a:p>
           <a:p>
             <a:pPr lvl="4"/>
@@ -5117,7 +5157,6 @@
           <a:p>
             <a:fld id="{D997B5FA-0921-464F-AAE1-844C04324D75}" type="datetimeFigureOut">
               <a:rPr lang="zh-CN" altLang="en-US" smtClean="0"/>
-              <a:t>2019/2/17</a:t>
             </a:fld>
             <a:endParaRPr lang="zh-CN" altLang="en-US"/>
           </a:p>
@@ -5159,18 +5198,12 @@
           <a:p>
             <a:fld id="{565CE74E-AB26-4998-AD42-012C4C1AD076}" type="slidenum">
               <a:rPr lang="zh-CN" altLang="en-US" smtClean="0"/>
-              <a:t>‹#›</a:t>
             </a:fld>
             <a:endParaRPr lang="zh-CN" altLang="en-US"/>
           </a:p>
         </p:txBody>
       </p:sp>
     </p:spTree>
-    <p:extLst>
-      <p:ext uri="{BB962C8B-B14F-4D97-AF65-F5344CB8AC3E}">
-        <p14:creationId xmlns:p14="http://schemas.microsoft.com/office/powerpoint/2010/main" val="3188717747"/>
-      </p:ext>
-    </p:extLst>
   </p:cSld>
   <p:clrMapOvr>
     <a:masterClrMapping/>
@@ -5248,6 +5281,7 @@
               <a:rPr lang="zh-CN" altLang="en-US" smtClean="0"/>
               <a:t>单击此处编辑母版文本样式</a:t>
             </a:r>
+            <a:endParaRPr lang="zh-CN" altLang="en-US" smtClean="0"/>
           </a:p>
           <a:p>
             <a:pPr lvl="1"/>
@@ -5255,6 +5289,7 @@
               <a:rPr lang="zh-CN" altLang="en-US" smtClean="0"/>
               <a:t>第二级</a:t>
             </a:r>
+            <a:endParaRPr lang="zh-CN" altLang="en-US" smtClean="0"/>
           </a:p>
           <a:p>
             <a:pPr lvl="2"/>
@@ -5262,6 +5297,7 @@
               <a:rPr lang="zh-CN" altLang="en-US" smtClean="0"/>
               <a:t>第三级</a:t>
             </a:r>
+            <a:endParaRPr lang="zh-CN" altLang="en-US" smtClean="0"/>
           </a:p>
           <a:p>
             <a:pPr lvl="3"/>
@@ -5269,6 +5305,7 @@
               <a:rPr lang="zh-CN" altLang="en-US" smtClean="0"/>
               <a:t>第四级</a:t>
             </a:r>
+            <a:endParaRPr lang="zh-CN" altLang="en-US" smtClean="0"/>
           </a:p>
           <a:p>
             <a:pPr lvl="4"/>
@@ -5297,7 +5334,6 @@
           <a:p>
             <a:fld id="{D997B5FA-0921-464F-AAE1-844C04324D75}" type="datetimeFigureOut">
               <a:rPr lang="zh-CN" altLang="en-US" smtClean="0"/>
-              <a:t>2019/2/17</a:t>
             </a:fld>
             <a:endParaRPr lang="zh-CN" altLang="en-US"/>
           </a:p>
@@ -5339,18 +5375,12 @@
           <a:p>
             <a:fld id="{565CE74E-AB26-4998-AD42-012C4C1AD076}" type="slidenum">
               <a:rPr lang="zh-CN" altLang="en-US" smtClean="0"/>
-              <a:t>‹#›</a:t>
             </a:fld>
             <a:endParaRPr lang="zh-CN" altLang="en-US"/>
           </a:p>
         </p:txBody>
       </p:sp>
     </p:spTree>
-    <p:extLst>
-      <p:ext uri="{BB962C8B-B14F-4D97-AF65-F5344CB8AC3E}">
-        <p14:creationId xmlns:p14="http://schemas.microsoft.com/office/powerpoint/2010/main" val="4025501431"/>
-      </p:ext>
-    </p:extLst>
   </p:cSld>
   <p:clrMapOvr>
     <a:masterClrMapping/>
@@ -5418,6 +5448,7 @@
               <a:rPr lang="zh-CN" altLang="en-US" smtClean="0"/>
               <a:t>单击此处编辑母版文本样式</a:t>
             </a:r>
+            <a:endParaRPr lang="zh-CN" altLang="en-US" smtClean="0"/>
           </a:p>
           <a:p>
             <a:pPr lvl="1"/>
@@ -5425,6 +5456,7 @@
               <a:rPr lang="zh-CN" altLang="en-US" smtClean="0"/>
               <a:t>第二级</a:t>
             </a:r>
+            <a:endParaRPr lang="zh-CN" altLang="en-US" smtClean="0"/>
           </a:p>
           <a:p>
             <a:pPr lvl="2"/>
@@ -5432,6 +5464,7 @@
               <a:rPr lang="zh-CN" altLang="en-US" smtClean="0"/>
               <a:t>第三级</a:t>
             </a:r>
+            <a:endParaRPr lang="zh-CN" altLang="en-US" smtClean="0"/>
           </a:p>
           <a:p>
             <a:pPr lvl="3"/>
@@ -5439,6 +5472,7 @@
               <a:rPr lang="zh-CN" altLang="en-US" smtClean="0"/>
               <a:t>第四级</a:t>
             </a:r>
+            <a:endParaRPr lang="zh-CN" altLang="en-US" smtClean="0"/>
           </a:p>
           <a:p>
             <a:pPr lvl="4"/>
@@ -5467,7 +5501,6 @@
           <a:p>
             <a:fld id="{D997B5FA-0921-464F-AAE1-844C04324D75}" type="datetimeFigureOut">
               <a:rPr lang="zh-CN" altLang="en-US" smtClean="0"/>
-              <a:t>2019/2/17</a:t>
             </a:fld>
             <a:endParaRPr lang="zh-CN" altLang="en-US"/>
           </a:p>
@@ -5509,18 +5542,12 @@
           <a:p>
             <a:fld id="{565CE74E-AB26-4998-AD42-012C4C1AD076}" type="slidenum">
               <a:rPr lang="zh-CN" altLang="en-US" smtClean="0"/>
-              <a:t>‹#›</a:t>
             </a:fld>
             <a:endParaRPr lang="zh-CN" altLang="en-US"/>
           </a:p>
         </p:txBody>
       </p:sp>
     </p:spTree>
-    <p:extLst>
-      <p:ext uri="{BB962C8B-B14F-4D97-AF65-F5344CB8AC3E}">
-        <p14:creationId xmlns:p14="http://schemas.microsoft.com/office/powerpoint/2010/main" val="598653943"/>
-      </p:ext>
-    </p:extLst>
   </p:cSld>
   <p:clrMapOvr>
     <a:masterClrMapping/>
@@ -5693,6 +5720,7 @@
               <a:rPr lang="zh-CN" altLang="en-US" smtClean="0"/>
               <a:t>单击此处编辑母版文本样式</a:t>
             </a:r>
+            <a:endParaRPr lang="zh-CN" altLang="en-US" smtClean="0"/>
           </a:p>
         </p:txBody>
       </p:sp>
@@ -5713,7 +5741,6 @@
           <a:p>
             <a:fld id="{D997B5FA-0921-464F-AAE1-844C04324D75}" type="datetimeFigureOut">
               <a:rPr lang="zh-CN" altLang="en-US" smtClean="0"/>
-              <a:t>2019/2/17</a:t>
             </a:fld>
             <a:endParaRPr lang="zh-CN" altLang="en-US"/>
           </a:p>
@@ -5755,18 +5782,12 @@
           <a:p>
             <a:fld id="{565CE74E-AB26-4998-AD42-012C4C1AD076}" type="slidenum">
               <a:rPr lang="zh-CN" altLang="en-US" smtClean="0"/>
-              <a:t>‹#›</a:t>
             </a:fld>
             <a:endParaRPr lang="zh-CN" altLang="en-US"/>
           </a:p>
         </p:txBody>
       </p:sp>
     </p:spTree>
-    <p:extLst>
-      <p:ext uri="{BB962C8B-B14F-4D97-AF65-F5344CB8AC3E}">
-        <p14:creationId xmlns:p14="http://schemas.microsoft.com/office/powerpoint/2010/main" val="1612184157"/>
-      </p:ext>
-    </p:extLst>
   </p:cSld>
   <p:clrMapOvr>
     <a:masterClrMapping/>
@@ -5839,6 +5860,7 @@
               <a:rPr lang="zh-CN" altLang="en-US" smtClean="0"/>
               <a:t>单击此处编辑母版文本样式</a:t>
             </a:r>
+            <a:endParaRPr lang="zh-CN" altLang="en-US" smtClean="0"/>
           </a:p>
           <a:p>
             <a:pPr lvl="1"/>
@@ -5846,6 +5868,7 @@
               <a:rPr lang="zh-CN" altLang="en-US" smtClean="0"/>
               <a:t>第二级</a:t>
             </a:r>
+            <a:endParaRPr lang="zh-CN" altLang="en-US" smtClean="0"/>
           </a:p>
           <a:p>
             <a:pPr lvl="2"/>
@@ -5853,6 +5876,7 @@
               <a:rPr lang="zh-CN" altLang="en-US" smtClean="0"/>
               <a:t>第三级</a:t>
             </a:r>
+            <a:endParaRPr lang="zh-CN" altLang="en-US" smtClean="0"/>
           </a:p>
           <a:p>
             <a:pPr lvl="3"/>
@@ -5860,6 +5884,7 @@
               <a:rPr lang="zh-CN" altLang="en-US" smtClean="0"/>
               <a:t>第四级</a:t>
             </a:r>
+            <a:endParaRPr lang="zh-CN" altLang="en-US" smtClean="0"/>
           </a:p>
           <a:p>
             <a:pPr lvl="4"/>
@@ -5896,6 +5921,7 @@
               <a:rPr lang="zh-CN" altLang="en-US" smtClean="0"/>
               <a:t>单击此处编辑母版文本样式</a:t>
             </a:r>
+            <a:endParaRPr lang="zh-CN" altLang="en-US" smtClean="0"/>
           </a:p>
           <a:p>
             <a:pPr lvl="1"/>
@@ -5903,6 +5929,7 @@
               <a:rPr lang="zh-CN" altLang="en-US" smtClean="0"/>
               <a:t>第二级</a:t>
             </a:r>
+            <a:endParaRPr lang="zh-CN" altLang="en-US" smtClean="0"/>
           </a:p>
           <a:p>
             <a:pPr lvl="2"/>
@@ -5910,6 +5937,7 @@
               <a:rPr lang="zh-CN" altLang="en-US" smtClean="0"/>
               <a:t>第三级</a:t>
             </a:r>
+            <a:endParaRPr lang="zh-CN" altLang="en-US" smtClean="0"/>
           </a:p>
           <a:p>
             <a:pPr lvl="3"/>
@@ -5917,6 +5945,7 @@
               <a:rPr lang="zh-CN" altLang="en-US" smtClean="0"/>
               <a:t>第四级</a:t>
             </a:r>
+            <a:endParaRPr lang="zh-CN" altLang="en-US" smtClean="0"/>
           </a:p>
           <a:p>
             <a:pPr lvl="4"/>
@@ -5945,7 +5974,6 @@
           <a:p>
             <a:fld id="{D997B5FA-0921-464F-AAE1-844C04324D75}" type="datetimeFigureOut">
               <a:rPr lang="zh-CN" altLang="en-US" smtClean="0"/>
-              <a:t>2019/2/17</a:t>
             </a:fld>
             <a:endParaRPr lang="zh-CN" altLang="en-US"/>
           </a:p>
@@ -5987,18 +6015,12 @@
           <a:p>
             <a:fld id="{565CE74E-AB26-4998-AD42-012C4C1AD076}" type="slidenum">
               <a:rPr lang="zh-CN" altLang="en-US" smtClean="0"/>
-              <a:t>‹#›</a:t>
             </a:fld>
             <a:endParaRPr lang="zh-CN" altLang="en-US"/>
           </a:p>
         </p:txBody>
       </p:sp>
     </p:spTree>
-    <p:extLst>
-      <p:ext uri="{BB962C8B-B14F-4D97-AF65-F5344CB8AC3E}">
-        <p14:creationId xmlns:p14="http://schemas.microsoft.com/office/powerpoint/2010/main" val="2905825717"/>
-      </p:ext>
-    </p:extLst>
   </p:cSld>
   <p:clrMapOvr>
     <a:masterClrMapping/>
@@ -6113,6 +6135,7 @@
               <a:rPr lang="zh-CN" altLang="en-US" smtClean="0"/>
               <a:t>单击此处编辑母版文本样式</a:t>
             </a:r>
+            <a:endParaRPr lang="zh-CN" altLang="en-US" smtClean="0"/>
           </a:p>
         </p:txBody>
       </p:sp>
@@ -6141,6 +6164,7 @@
               <a:rPr lang="zh-CN" altLang="en-US" smtClean="0"/>
               <a:t>单击此处编辑母版文本样式</a:t>
             </a:r>
+            <a:endParaRPr lang="zh-CN" altLang="en-US" smtClean="0"/>
           </a:p>
           <a:p>
             <a:pPr lvl="1"/>
@@ -6148,6 +6172,7 @@
               <a:rPr lang="zh-CN" altLang="en-US" smtClean="0"/>
               <a:t>第二级</a:t>
             </a:r>
+            <a:endParaRPr lang="zh-CN" altLang="en-US" smtClean="0"/>
           </a:p>
           <a:p>
             <a:pPr lvl="2"/>
@@ -6155,6 +6180,7 @@
               <a:rPr lang="zh-CN" altLang="en-US" smtClean="0"/>
               <a:t>第三级</a:t>
             </a:r>
+            <a:endParaRPr lang="zh-CN" altLang="en-US" smtClean="0"/>
           </a:p>
           <a:p>
             <a:pPr lvl="3"/>
@@ -6162,6 +6188,7 @@
               <a:rPr lang="zh-CN" altLang="en-US" smtClean="0"/>
               <a:t>第四级</a:t>
             </a:r>
+            <a:endParaRPr lang="zh-CN" altLang="en-US" smtClean="0"/>
           </a:p>
           <a:p>
             <a:pPr lvl="4"/>
@@ -6235,6 +6262,7 @@
               <a:rPr lang="zh-CN" altLang="en-US" smtClean="0"/>
               <a:t>单击此处编辑母版文本样式</a:t>
             </a:r>
+            <a:endParaRPr lang="zh-CN" altLang="en-US" smtClean="0"/>
           </a:p>
         </p:txBody>
       </p:sp>
@@ -6263,6 +6291,7 @@
               <a:rPr lang="zh-CN" altLang="en-US" smtClean="0"/>
               <a:t>单击此处编辑母版文本样式</a:t>
             </a:r>
+            <a:endParaRPr lang="zh-CN" altLang="en-US" smtClean="0"/>
           </a:p>
           <a:p>
             <a:pPr lvl="1"/>
@@ -6270,6 +6299,7 @@
               <a:rPr lang="zh-CN" altLang="en-US" smtClean="0"/>
               <a:t>第二级</a:t>
             </a:r>
+            <a:endParaRPr lang="zh-CN" altLang="en-US" smtClean="0"/>
           </a:p>
           <a:p>
             <a:pPr lvl="2"/>
@@ -6277,6 +6307,7 @@
               <a:rPr lang="zh-CN" altLang="en-US" smtClean="0"/>
               <a:t>第三级</a:t>
             </a:r>
+            <a:endParaRPr lang="zh-CN" altLang="en-US" smtClean="0"/>
           </a:p>
           <a:p>
             <a:pPr lvl="3"/>
@@ -6284,6 +6315,7 @@
               <a:rPr lang="zh-CN" altLang="en-US" smtClean="0"/>
               <a:t>第四级</a:t>
             </a:r>
+            <a:endParaRPr lang="zh-CN" altLang="en-US" smtClean="0"/>
           </a:p>
           <a:p>
             <a:pPr lvl="4"/>
@@ -6312,7 +6344,6 @@
           <a:p>
             <a:fld id="{D997B5FA-0921-464F-AAE1-844C04324D75}" type="datetimeFigureOut">
               <a:rPr lang="zh-CN" altLang="en-US" smtClean="0"/>
-              <a:t>2019/2/17</a:t>
             </a:fld>
             <a:endParaRPr lang="zh-CN" altLang="en-US"/>
           </a:p>
@@ -6354,18 +6385,12 @@
           <a:p>
             <a:fld id="{565CE74E-AB26-4998-AD42-012C4C1AD076}" type="slidenum">
               <a:rPr lang="zh-CN" altLang="en-US" smtClean="0"/>
-              <a:t>‹#›</a:t>
             </a:fld>
             <a:endParaRPr lang="zh-CN" altLang="en-US"/>
           </a:p>
         </p:txBody>
       </p:sp>
     </p:spTree>
-    <p:extLst>
-      <p:ext uri="{BB962C8B-B14F-4D97-AF65-F5344CB8AC3E}">
-        <p14:creationId xmlns:p14="http://schemas.microsoft.com/office/powerpoint/2010/main" val="168117047"/>
-      </p:ext>
-    </p:extLst>
   </p:cSld>
   <p:clrMapOvr>
     <a:masterClrMapping/>
@@ -6430,7 +6455,6 @@
           <a:p>
             <a:fld id="{D997B5FA-0921-464F-AAE1-844C04324D75}" type="datetimeFigureOut">
               <a:rPr lang="zh-CN" altLang="en-US" smtClean="0"/>
-              <a:t>2019/2/17</a:t>
             </a:fld>
             <a:endParaRPr lang="zh-CN" altLang="en-US"/>
           </a:p>
@@ -6472,18 +6496,12 @@
           <a:p>
             <a:fld id="{565CE74E-AB26-4998-AD42-012C4C1AD076}" type="slidenum">
               <a:rPr lang="zh-CN" altLang="en-US" smtClean="0"/>
-              <a:t>‹#›</a:t>
             </a:fld>
             <a:endParaRPr lang="zh-CN" altLang="en-US"/>
           </a:p>
         </p:txBody>
       </p:sp>
     </p:spTree>
-    <p:extLst>
-      <p:ext uri="{BB962C8B-B14F-4D97-AF65-F5344CB8AC3E}">
-        <p14:creationId xmlns:p14="http://schemas.microsoft.com/office/powerpoint/2010/main" val="2764406021"/>
-      </p:ext>
-    </p:extLst>
   </p:cSld>
   <p:clrMapOvr>
     <a:masterClrMapping/>
@@ -6525,7 +6543,6 @@
           <a:p>
             <a:fld id="{D997B5FA-0921-464F-AAE1-844C04324D75}" type="datetimeFigureOut">
               <a:rPr lang="zh-CN" altLang="en-US" smtClean="0"/>
-              <a:t>2019/2/17</a:t>
             </a:fld>
             <a:endParaRPr lang="zh-CN" altLang="en-US"/>
           </a:p>
@@ -6567,18 +6584,12 @@
           <a:p>
             <a:fld id="{565CE74E-AB26-4998-AD42-012C4C1AD076}" type="slidenum">
               <a:rPr lang="zh-CN" altLang="en-US" smtClean="0"/>
-              <a:t>‹#›</a:t>
             </a:fld>
             <a:endParaRPr lang="zh-CN" altLang="en-US"/>
           </a:p>
         </p:txBody>
       </p:sp>
     </p:spTree>
-    <p:extLst>
-      <p:ext uri="{BB962C8B-B14F-4D97-AF65-F5344CB8AC3E}">
-        <p14:creationId xmlns:p14="http://schemas.microsoft.com/office/powerpoint/2010/main" val="276523006"/>
-      </p:ext>
-    </p:extLst>
   </p:cSld>
   <p:clrMapOvr>
     <a:masterClrMapping/>
@@ -6688,6 +6699,7 @@
               <a:rPr lang="zh-CN" altLang="en-US" smtClean="0"/>
               <a:t>单击此处编辑母版文本样式</a:t>
             </a:r>
+            <a:endParaRPr lang="zh-CN" altLang="en-US" smtClean="0"/>
           </a:p>
           <a:p>
             <a:pPr lvl="1"/>
@@ -6695,6 +6707,7 @@
               <a:rPr lang="zh-CN" altLang="en-US" smtClean="0"/>
               <a:t>第二级</a:t>
             </a:r>
+            <a:endParaRPr lang="zh-CN" altLang="en-US" smtClean="0"/>
           </a:p>
           <a:p>
             <a:pPr lvl="2"/>
@@ -6702,6 +6715,7 @@
               <a:rPr lang="zh-CN" altLang="en-US" smtClean="0"/>
               <a:t>第三级</a:t>
             </a:r>
+            <a:endParaRPr lang="zh-CN" altLang="en-US" smtClean="0"/>
           </a:p>
           <a:p>
             <a:pPr lvl="3"/>
@@ -6709,6 +6723,7 @@
               <a:rPr lang="zh-CN" altLang="en-US" smtClean="0"/>
               <a:t>第四级</a:t>
             </a:r>
+            <a:endParaRPr lang="zh-CN" altLang="en-US" smtClean="0"/>
           </a:p>
           <a:p>
             <a:pPr lvl="4"/>
@@ -6782,6 +6797,7 @@
               <a:rPr lang="zh-CN" altLang="en-US" smtClean="0"/>
               <a:t>单击此处编辑母版文本样式</a:t>
             </a:r>
+            <a:endParaRPr lang="zh-CN" altLang="en-US" smtClean="0"/>
           </a:p>
         </p:txBody>
       </p:sp>
@@ -6802,7 +6818,6 @@
           <a:p>
             <a:fld id="{D997B5FA-0921-464F-AAE1-844C04324D75}" type="datetimeFigureOut">
               <a:rPr lang="zh-CN" altLang="en-US" smtClean="0"/>
-              <a:t>2019/2/17</a:t>
             </a:fld>
             <a:endParaRPr lang="zh-CN" altLang="en-US"/>
           </a:p>
@@ -6844,18 +6859,12 @@
           <a:p>
             <a:fld id="{565CE74E-AB26-4998-AD42-012C4C1AD076}" type="slidenum">
               <a:rPr lang="zh-CN" altLang="en-US" smtClean="0"/>
-              <a:t>‹#›</a:t>
             </a:fld>
             <a:endParaRPr lang="zh-CN" altLang="en-US"/>
           </a:p>
         </p:txBody>
       </p:sp>
     </p:spTree>
-    <p:extLst>
-      <p:ext uri="{BB962C8B-B14F-4D97-AF65-F5344CB8AC3E}">
-        <p14:creationId xmlns:p14="http://schemas.microsoft.com/office/powerpoint/2010/main" val="694758376"/>
-      </p:ext>
-    </p:extLst>
   </p:cSld>
   <p:clrMapOvr>
     <a:masterClrMapping/>
@@ -7035,6 +7044,7 @@
               <a:rPr lang="zh-CN" altLang="en-US" smtClean="0"/>
               <a:t>单击此处编辑母版文本样式</a:t>
             </a:r>
+            <a:endParaRPr lang="zh-CN" altLang="en-US" smtClean="0"/>
           </a:p>
         </p:txBody>
       </p:sp>
@@ -7055,7 +7065,6 @@
           <a:p>
             <a:fld id="{D997B5FA-0921-464F-AAE1-844C04324D75}" type="datetimeFigureOut">
               <a:rPr lang="zh-CN" altLang="en-US" smtClean="0"/>
-              <a:t>2019/2/17</a:t>
             </a:fld>
             <a:endParaRPr lang="zh-CN" altLang="en-US"/>
           </a:p>
@@ -7097,18 +7106,12 @@
           <a:p>
             <a:fld id="{565CE74E-AB26-4998-AD42-012C4C1AD076}" type="slidenum">
               <a:rPr lang="zh-CN" altLang="en-US" smtClean="0"/>
-              <a:t>‹#›</a:t>
             </a:fld>
             <a:endParaRPr lang="zh-CN" altLang="en-US"/>
           </a:p>
         </p:txBody>
       </p:sp>
     </p:spTree>
-    <p:extLst>
-      <p:ext uri="{BB962C8B-B14F-4D97-AF65-F5344CB8AC3E}">
-        <p14:creationId xmlns:p14="http://schemas.microsoft.com/office/powerpoint/2010/main" val="477805659"/>
-      </p:ext>
-    </p:extLst>
   </p:cSld>
   <p:clrMapOvr>
     <a:masterClrMapping/>
@@ -7201,6 +7204,7 @@
               <a:rPr lang="zh-CN" altLang="en-US" smtClean="0"/>
               <a:t>单击此处编辑母版文本样式</a:t>
             </a:r>
+            <a:endParaRPr lang="zh-CN" altLang="en-US" smtClean="0"/>
           </a:p>
           <a:p>
             <a:pPr lvl="1"/>
@@ -7208,6 +7212,7 @@
               <a:rPr lang="zh-CN" altLang="en-US" smtClean="0"/>
               <a:t>第二级</a:t>
             </a:r>
+            <a:endParaRPr lang="zh-CN" altLang="en-US" smtClean="0"/>
           </a:p>
           <a:p>
             <a:pPr lvl="2"/>
@@ -7215,6 +7220,7 @@
               <a:rPr lang="zh-CN" altLang="en-US" smtClean="0"/>
               <a:t>第三级</a:t>
             </a:r>
+            <a:endParaRPr lang="zh-CN" altLang="en-US" smtClean="0"/>
           </a:p>
           <a:p>
             <a:pPr lvl="3"/>
@@ -7222,6 +7228,7 @@
               <a:rPr lang="zh-CN" altLang="en-US" smtClean="0"/>
               <a:t>第四级</a:t>
             </a:r>
+            <a:endParaRPr lang="zh-CN" altLang="en-US" smtClean="0"/>
           </a:p>
           <a:p>
             <a:pPr lvl="4"/>
@@ -7268,7 +7275,6 @@
           <a:p>
             <a:fld id="{D997B5FA-0921-464F-AAE1-844C04324D75}" type="datetimeFigureOut">
               <a:rPr lang="zh-CN" altLang="en-US" smtClean="0"/>
-              <a:t>2019/2/17</a:t>
             </a:fld>
             <a:endParaRPr lang="zh-CN" altLang="en-US"/>
           </a:p>
@@ -7346,18 +7352,12 @@
           <a:p>
             <a:fld id="{565CE74E-AB26-4998-AD42-012C4C1AD076}" type="slidenum">
               <a:rPr lang="zh-CN" altLang="en-US" smtClean="0"/>
-              <a:t>‹#›</a:t>
             </a:fld>
             <a:endParaRPr lang="zh-CN" altLang="en-US"/>
           </a:p>
         </p:txBody>
       </p:sp>
     </p:spTree>
-    <p:extLst>
-      <p:ext uri="{BB962C8B-B14F-4D97-AF65-F5344CB8AC3E}">
-        <p14:creationId xmlns:p14="http://schemas.microsoft.com/office/powerpoint/2010/main" val="2003094035"/>
-      </p:ext>
-    </p:extLst>
   </p:cSld>
   <p:clrMap bg1="lt1" tx1="dk1" bg2="lt2" tx2="dk2" accent1="accent1" accent2="accent2" accent3="accent3" accent4="accent4" accent5="accent5" accent6="accent6" hlink="hlink" folHlink="folHlink"/>
   <p:sldLayoutIdLst>
@@ -7727,12 +7727,14 @@
               <a:rPr lang="en-US" altLang="zh-CN" dirty="0" smtClean="0"/>
               <a:t> version: 2.0.6.RELEASE</a:t>
             </a:r>
+            <a:endParaRPr lang="en-US" altLang="zh-CN" dirty="0" smtClean="0"/>
           </a:p>
           <a:p>
             <a:r>
               <a:rPr lang="en-US" altLang="zh-CN" dirty="0" smtClean="0"/>
               <a:t>Spring version: 5.0.10</a:t>
             </a:r>
+            <a:endParaRPr lang="en-US" altLang="zh-CN" dirty="0" smtClean="0"/>
           </a:p>
           <a:p>
             <a:r>
@@ -7744,11 +7746,6 @@
         </p:txBody>
       </p:sp>
     </p:spTree>
-    <p:extLst>
-      <p:ext uri="{BB962C8B-B14F-4D97-AF65-F5344CB8AC3E}">
-        <p14:creationId xmlns:p14="http://schemas.microsoft.com/office/powerpoint/2010/main" val="4022939905"/>
-      </p:ext>
-    </p:extLst>
   </p:cSld>
   <p:clrMapOvr>
     <a:masterClrMapping/>
@@ -7826,6 +7823,7 @@
               <a:rPr lang="en-US" altLang="zh-CN" dirty="0" smtClean="0"/>
               <a:t>()</a:t>
             </a:r>
+            <a:endParaRPr lang="en-US" altLang="zh-CN" dirty="0" smtClean="0"/>
           </a:p>
           <a:p>
             <a:pPr lvl="1"/>
@@ -7841,12 +7839,14 @@
               <a:rPr lang="en-US" altLang="zh-CN" dirty="0" smtClean="0"/>
               <a:t> of current project, if some class present, then we could consider which application type current project is.</a:t>
             </a:r>
+            <a:endParaRPr lang="en-US" altLang="zh-CN" dirty="0" smtClean="0"/>
           </a:p>
           <a:p>
             <a:r>
               <a:rPr lang="en-US" altLang="zh-CN" dirty="0" smtClean="0"/>
               <a:t>Application type</a:t>
             </a:r>
+            <a:endParaRPr lang="en-US" altLang="zh-CN" dirty="0" smtClean="0"/>
           </a:p>
           <a:p>
             <a:pPr lvl="1"/>
@@ -7854,6 +7854,7 @@
               <a:rPr lang="en-US" altLang="zh-CN" dirty="0"/>
               <a:t>SERVLET_INDICATOR_CLASSES</a:t>
             </a:r>
+            <a:endParaRPr lang="en-US" altLang="zh-CN" dirty="0"/>
           </a:p>
           <a:p>
             <a:pPr lvl="1"/>
@@ -7861,6 +7862,7 @@
               <a:rPr lang="en-US" altLang="zh-CN" dirty="0"/>
               <a:t>WEBMVC_INDICATOR_CLASS</a:t>
             </a:r>
+            <a:endParaRPr lang="en-US" altLang="zh-CN" dirty="0"/>
           </a:p>
           <a:p>
             <a:pPr lvl="1"/>
@@ -7868,6 +7870,7 @@
               <a:rPr lang="en-US" altLang="zh-CN" dirty="0"/>
               <a:t>WEBFLUX_INDICATOR_CLASS</a:t>
             </a:r>
+            <a:endParaRPr lang="en-US" altLang="zh-CN" dirty="0"/>
           </a:p>
           <a:p>
             <a:pPr lvl="1"/>
@@ -7875,6 +7878,7 @@
               <a:rPr lang="en-US" altLang="zh-CN" dirty="0"/>
               <a:t>JERSEY_INDICATOR_CLASS</a:t>
             </a:r>
+            <a:endParaRPr lang="en-US" altLang="zh-CN" dirty="0"/>
           </a:p>
           <a:p>
             <a:pPr lvl="1"/>
@@ -7882,6 +7886,7 @@
               <a:rPr lang="en-US" altLang="zh-CN" dirty="0"/>
               <a:t>SERVLET_APPLICATION_CONTEXT_CLASS</a:t>
             </a:r>
+            <a:endParaRPr lang="en-US" altLang="zh-CN" dirty="0"/>
           </a:p>
           <a:p>
             <a:pPr lvl="1"/>
@@ -7904,11 +7909,6 @@
         </p:txBody>
       </p:sp>
     </p:spTree>
-    <p:extLst>
-      <p:ext uri="{BB962C8B-B14F-4D97-AF65-F5344CB8AC3E}">
-        <p14:creationId xmlns:p14="http://schemas.microsoft.com/office/powerpoint/2010/main" val="1892815352"/>
-      </p:ext>
-    </p:extLst>
   </p:cSld>
   <p:clrMapOvr>
     <a:masterClrMapping/>
@@ -8005,6 +8005,7 @@
               <a:rPr lang="en-US" altLang="zh-CN" dirty="0" smtClean="0"/>
               <a:t>.</a:t>
             </a:r>
+            <a:endParaRPr lang="en-US" altLang="zh-CN" dirty="0" smtClean="0"/>
           </a:p>
           <a:p>
             <a:endParaRPr lang="en-US" altLang="zh-CN" dirty="0"/>
@@ -8035,11 +8036,6 @@
         </p:txBody>
       </p:sp>
     </p:spTree>
-    <p:extLst>
-      <p:ext uri="{BB962C8B-B14F-4D97-AF65-F5344CB8AC3E}">
-        <p14:creationId xmlns:p14="http://schemas.microsoft.com/office/powerpoint/2010/main" val="4031096727"/>
-      </p:ext>
-    </p:extLst>
   </p:cSld>
   <p:clrMapOvr>
     <a:masterClrMapping/>
@@ -8126,6 +8122,7 @@
               <a:rPr lang="en-US" altLang="zh-CN" dirty="0" smtClean="0"/>
               <a:t>;</a:t>
             </a:r>
+            <a:endParaRPr lang="en-US" altLang="zh-CN" dirty="0" smtClean="0"/>
           </a:p>
           <a:p>
             <a:endParaRPr lang="en-US" altLang="zh-CN" dirty="0"/>
@@ -8163,6 +8160,7 @@
               <a:rPr lang="en-US" altLang="zh-CN" dirty="0" smtClean="0"/>
               <a:t>))</a:t>
             </a:r>
+            <a:endParaRPr lang="en-US" altLang="zh-CN" dirty="0" smtClean="0"/>
           </a:p>
           <a:p>
             <a:pPr lvl="1"/>
@@ -8205,11 +8203,6 @@
         </p:txBody>
       </p:sp>
     </p:spTree>
-    <p:extLst>
-      <p:ext uri="{BB962C8B-B14F-4D97-AF65-F5344CB8AC3E}">
-        <p14:creationId xmlns:p14="http://schemas.microsoft.com/office/powerpoint/2010/main" val="2001929171"/>
-      </p:ext>
-    </p:extLst>
   </p:cSld>
   <p:clrMapOvr>
     <a:masterClrMapping/>
@@ -8348,11 +8341,6 @@
         </p:txBody>
       </p:sp>
     </p:spTree>
-    <p:extLst>
-      <p:ext uri="{BB962C8B-B14F-4D97-AF65-F5344CB8AC3E}">
-        <p14:creationId xmlns:p14="http://schemas.microsoft.com/office/powerpoint/2010/main" val="813392663"/>
-      </p:ext>
-    </p:extLst>
   </p:cSld>
   <p:clrMapOvr>
     <a:masterClrMapping/>
@@ -8504,11 +8492,6 @@
         </p:txBody>
       </p:sp>
     </p:spTree>
-    <p:extLst>
-      <p:ext uri="{BB962C8B-B14F-4D97-AF65-F5344CB8AC3E}">
-        <p14:creationId xmlns:p14="http://schemas.microsoft.com/office/powerpoint/2010/main" val="140570857"/>
-      </p:ext>
-    </p:extLst>
   </p:cSld>
   <p:clrMapOvr>
     <a:masterClrMapping/>
@@ -8575,36 +8558,42 @@
               <a:rPr lang="en-US" altLang="zh-CN" dirty="0" smtClean="0"/>
               <a:t>Configure Headless Property</a:t>
             </a:r>
+            <a:endParaRPr lang="en-US" altLang="zh-CN" dirty="0" smtClean="0"/>
           </a:p>
           <a:p>
             <a:r>
               <a:rPr lang="en-US" altLang="zh-CN" dirty="0" smtClean="0"/>
               <a:t>Starting listeners</a:t>
             </a:r>
+            <a:endParaRPr lang="en-US" altLang="zh-CN" dirty="0" smtClean="0"/>
           </a:p>
           <a:p>
             <a:r>
               <a:rPr lang="en-US" altLang="zh-CN" dirty="0" smtClean="0"/>
               <a:t>Prepare environment</a:t>
             </a:r>
+            <a:endParaRPr lang="en-US" altLang="zh-CN" dirty="0" smtClean="0"/>
           </a:p>
           <a:p>
             <a:r>
               <a:rPr lang="en-US" altLang="zh-CN" dirty="0" smtClean="0"/>
               <a:t>Configure ignore bean information</a:t>
             </a:r>
+            <a:endParaRPr lang="en-US" altLang="zh-CN" dirty="0" smtClean="0"/>
           </a:p>
           <a:p>
             <a:r>
               <a:rPr lang="en-US" altLang="zh-CN" dirty="0" smtClean="0"/>
               <a:t>Print Banner</a:t>
             </a:r>
+            <a:endParaRPr lang="en-US" altLang="zh-CN" dirty="0" smtClean="0"/>
           </a:p>
           <a:p>
             <a:r>
               <a:rPr lang="en-US" altLang="zh-CN" dirty="0" smtClean="0"/>
               <a:t>Create application context</a:t>
             </a:r>
+            <a:endParaRPr lang="en-US" altLang="zh-CN" dirty="0" smtClean="0"/>
           </a:p>
           <a:p>
             <a:r>
@@ -8627,11 +8616,6 @@
         </p:txBody>
       </p:sp>
     </p:spTree>
-    <p:extLst>
-      <p:ext uri="{BB962C8B-B14F-4D97-AF65-F5344CB8AC3E}">
-        <p14:creationId xmlns:p14="http://schemas.microsoft.com/office/powerpoint/2010/main" val="2249694413"/>
-      </p:ext>
-    </p:extLst>
   </p:cSld>
   <p:clrMapOvr>
     <a:masterClrMapping/>
@@ -8705,24 +8689,28 @@
               <a:rPr lang="en-US" altLang="zh-CN" dirty="0" smtClean="0"/>
               <a:t>Refresh context</a:t>
             </a:r>
+            <a:endParaRPr lang="en-US" altLang="zh-CN" dirty="0" smtClean="0"/>
           </a:p>
           <a:p>
             <a:r>
               <a:rPr lang="en-US" altLang="zh-CN" dirty="0" smtClean="0"/>
               <a:t>After refresh context</a:t>
             </a:r>
+            <a:endParaRPr lang="en-US" altLang="zh-CN" dirty="0" smtClean="0"/>
           </a:p>
           <a:p>
             <a:r>
               <a:rPr lang="en-US" altLang="zh-CN" dirty="0" smtClean="0"/>
               <a:t>Listeners started</a:t>
             </a:r>
+            <a:endParaRPr lang="en-US" altLang="zh-CN" dirty="0" smtClean="0"/>
           </a:p>
           <a:p>
             <a:r>
               <a:rPr lang="en-US" altLang="zh-CN" dirty="0" smtClean="0"/>
               <a:t>Call runners</a:t>
             </a:r>
+            <a:endParaRPr lang="en-US" altLang="zh-CN" dirty="0" smtClean="0"/>
           </a:p>
           <a:p>
             <a:r>
@@ -8734,11 +8722,6 @@
         </p:txBody>
       </p:sp>
     </p:spTree>
-    <p:extLst>
-      <p:ext uri="{BB962C8B-B14F-4D97-AF65-F5344CB8AC3E}">
-        <p14:creationId xmlns:p14="http://schemas.microsoft.com/office/powerpoint/2010/main" val="1170620998"/>
-      </p:ext>
-    </p:extLst>
   </p:cSld>
   <p:clrMapOvr>
     <a:masterClrMapping/>
@@ -8809,6 +8792,7 @@
               <a:rPr lang="en-US" altLang="zh-CN" dirty="0" smtClean="0"/>
               <a:t>();</a:t>
             </a:r>
+            <a:endParaRPr lang="en-US" altLang="zh-CN" dirty="0" smtClean="0"/>
           </a:p>
           <a:p>
             <a:pPr lvl="1"/>
@@ -8827,11 +8811,6 @@
         </p:txBody>
       </p:sp>
     </p:spTree>
-    <p:extLst>
-      <p:ext uri="{BB962C8B-B14F-4D97-AF65-F5344CB8AC3E}">
-        <p14:creationId xmlns:p14="http://schemas.microsoft.com/office/powerpoint/2010/main" val="2564430762"/>
-      </p:ext>
-    </p:extLst>
   </p:cSld>
   <p:clrMapOvr>
     <a:masterClrMapping/>
@@ -8933,6 +8912,7 @@
               <a:rPr lang="en-US" altLang="zh-CN" dirty="0" smtClean="0"/>
               <a:t>();</a:t>
             </a:r>
+            <a:endParaRPr lang="en-US" altLang="zh-CN" dirty="0" smtClean="0"/>
           </a:p>
           <a:p>
             <a:endParaRPr lang="en-US" altLang="zh-CN" dirty="0"/>
@@ -8977,11 +8957,6 @@
         </p:txBody>
       </p:sp>
     </p:spTree>
-    <p:extLst>
-      <p:ext uri="{BB962C8B-B14F-4D97-AF65-F5344CB8AC3E}">
-        <p14:creationId xmlns:p14="http://schemas.microsoft.com/office/powerpoint/2010/main" val="2520564217"/>
-      </p:ext>
-    </p:extLst>
   </p:cSld>
   <p:clrMapOvr>
     <a:masterClrMapping/>
@@ -9054,6 +9029,7 @@
               <a:rPr lang="en-US" altLang="zh-CN" dirty="0" smtClean="0"/>
               <a:t>()</a:t>
             </a:r>
+            <a:endParaRPr lang="en-US" altLang="zh-CN" dirty="0" smtClean="0"/>
           </a:p>
           <a:p>
             <a:endParaRPr lang="zh-CN" altLang="en-US" dirty="0"/>
@@ -9067,6 +9043,7 @@
               <a:rPr lang="en-US" altLang="zh-CN" dirty="0" smtClean="0"/>
               <a:t>()</a:t>
             </a:r>
+            <a:endParaRPr lang="en-US" altLang="zh-CN" dirty="0" smtClean="0"/>
           </a:p>
           <a:p>
             <a:endParaRPr lang="en-US" altLang="zh-CN" dirty="0" smtClean="0"/>
@@ -9084,6 +9061,7 @@
               <a:rPr lang="en-US" altLang="zh-CN" dirty="0" smtClean="0"/>
               <a:t>)</a:t>
             </a:r>
+            <a:endParaRPr lang="en-US" altLang="zh-CN" dirty="0" smtClean="0"/>
           </a:p>
           <a:p>
             <a:endParaRPr lang="zh-CN" altLang="en-US" dirty="0"/>
@@ -9101,6 +9079,7 @@
               <a:rPr lang="en-US" altLang="zh-CN" dirty="0" smtClean="0"/>
               <a:t>)</a:t>
             </a:r>
+            <a:endParaRPr lang="en-US" altLang="zh-CN" dirty="0" smtClean="0"/>
           </a:p>
           <a:p>
             <a:endParaRPr lang="en-US" altLang="zh-CN" dirty="0" smtClean="0"/>
@@ -9132,11 +9111,6 @@
         </p:txBody>
       </p:sp>
     </p:spTree>
-    <p:extLst>
-      <p:ext uri="{BB962C8B-B14F-4D97-AF65-F5344CB8AC3E}">
-        <p14:creationId xmlns:p14="http://schemas.microsoft.com/office/powerpoint/2010/main" val="3757795768"/>
-      </p:ext>
-    </p:extLst>
   </p:cSld>
   <p:clrMapOvr>
     <a:masterClrMapping/>
@@ -9207,6 +9181,7 @@
               <a:rPr lang="en-US" altLang="zh-CN" dirty="0" smtClean="0"/>
               <a:t> architecture</a:t>
             </a:r>
+            <a:endParaRPr lang="en-US" altLang="zh-CN" dirty="0" smtClean="0"/>
           </a:p>
           <a:p>
             <a:endParaRPr lang="en-US" altLang="zh-CN" dirty="0" smtClean="0"/>
@@ -9220,6 +9195,7 @@
               <a:rPr lang="en-US" altLang="zh-CN" dirty="0" smtClean="0"/>
               <a:t>  Initialization</a:t>
             </a:r>
+            <a:endParaRPr lang="en-US" altLang="zh-CN" dirty="0" smtClean="0"/>
           </a:p>
           <a:p>
             <a:endParaRPr lang="en-US" altLang="zh-CN" dirty="0"/>
@@ -9233,6 +9209,7 @@
               <a:rPr lang="en-US" altLang="zh-CN" dirty="0" smtClean="0"/>
               <a:t> method</a:t>
             </a:r>
+            <a:endParaRPr lang="en-US" altLang="zh-CN" dirty="0" smtClean="0"/>
           </a:p>
           <a:p>
             <a:endParaRPr lang="en-US" altLang="zh-CN" dirty="0"/>
@@ -9259,11 +9236,6 @@
         </p:txBody>
       </p:sp>
     </p:spTree>
-    <p:extLst>
-      <p:ext uri="{BB962C8B-B14F-4D97-AF65-F5344CB8AC3E}">
-        <p14:creationId xmlns:p14="http://schemas.microsoft.com/office/powerpoint/2010/main" val="2625525966"/>
-      </p:ext>
-    </p:extLst>
   </p:cSld>
   <p:clrMapOvr>
     <a:masterClrMapping/>
@@ -9327,7 +9299,7 @@
           <p:nvPr/>
         </p:nvPicPr>
         <p:blipFill>
-          <a:blip r:embed="rId3"/>
+          <a:blip r:embed="rId1"/>
           <a:stretch>
             <a:fillRect/>
           </a:stretch>
@@ -9343,11 +9315,6 @@
         </p:spPr>
       </p:pic>
     </p:spTree>
-    <p:extLst>
-      <p:ext uri="{BB962C8B-B14F-4D97-AF65-F5344CB8AC3E}">
-        <p14:creationId xmlns:p14="http://schemas.microsoft.com/office/powerpoint/2010/main" val="985644020"/>
-      </p:ext>
-    </p:extLst>
   </p:cSld>
   <p:clrMapOvr>
     <a:masterClrMapping/>
@@ -9404,7 +9371,7 @@
           <p:nvPr/>
         </p:nvPicPr>
         <p:blipFill>
-          <a:blip r:embed="rId3"/>
+          <a:blip r:embed="rId1"/>
           <a:stretch>
             <a:fillRect/>
           </a:stretch>
@@ -9420,11 +9387,6 @@
         </p:spPr>
       </p:pic>
     </p:spTree>
-    <p:extLst>
-      <p:ext uri="{BB962C8B-B14F-4D97-AF65-F5344CB8AC3E}">
-        <p14:creationId xmlns:p14="http://schemas.microsoft.com/office/powerpoint/2010/main" val="3423333016"/>
-      </p:ext>
-    </p:extLst>
   </p:cSld>
   <p:clrMapOvr>
     <a:masterClrMapping/>
@@ -9489,18 +9451,17 @@
           <a:p>
             <a:r>
               <a:rPr lang="zh-CN" altLang="en-US" dirty="0" smtClean="0"/>
-              <a:t>读取配置文件</a:t>
-            </a:r>
-            <a:endParaRPr lang="zh-CN" altLang="en-US" dirty="0"/>
+              <a:t>读取配置文件 ConfigFileApplicationListener</a:t>
+            </a:r>
+            <a:r>
+              <a:rPr lang="en-US" altLang="zh-CN" dirty="0" smtClean="0"/>
+              <a:t>.load</a:t>
+            </a:r>
+            <a:endParaRPr lang="en-US" altLang="zh-CN" dirty="0" smtClean="0"/>
           </a:p>
         </p:txBody>
       </p:sp>
     </p:spTree>
-    <p:extLst>
-      <p:ext uri="{BB962C8B-B14F-4D97-AF65-F5344CB8AC3E}">
-        <p14:creationId xmlns:p14="http://schemas.microsoft.com/office/powerpoint/2010/main" val="3151981415"/>
-      </p:ext>
-    </p:extLst>
   </p:cSld>
   <p:clrMapOvr>
     <a:masterClrMapping/>
@@ -9563,16 +9524,68 @@
           <a:bodyPr/>
           <a:lstStyle/>
           <a:p>
+            <a:r>
+              <a:rPr lang="en-US" altLang="zh-CN" dirty="0">
+                <a:sym typeface="+mn-ea"/>
+              </a:rPr>
+              <a:t>Set conversionService by default configuration.</a:t>
+            </a:r>
+            <a:endParaRPr lang="zh-CN" altLang="en-US" dirty="0">
+              <a:sym typeface="+mn-ea"/>
+            </a:endParaRPr>
+          </a:p>
+          <a:p>
+            <a:pPr lvl="1"/>
+            <a:r>
+              <a:rPr lang="zh-CN" altLang="en-US" dirty="0">
+                <a:sym typeface="+mn-ea"/>
+              </a:rPr>
+              <a:t>environment.setConversionService((ConfigurableConversionService) conversionService);</a:t>
+            </a:r>
+            <a:endParaRPr lang="zh-CN" altLang="en-US" dirty="0">
+              <a:sym typeface="+mn-ea"/>
+            </a:endParaRPr>
+          </a:p>
+          <a:p>
+            <a:pPr lvl="1"/>
+            <a:r>
+              <a:rPr lang="en-US" altLang="zh-CN" dirty="0">
+                <a:sym typeface="+mn-ea"/>
+              </a:rPr>
+              <a:t>DCL</a:t>
+            </a:r>
+            <a:endParaRPr lang="zh-CN" altLang="en-US" dirty="0">
+              <a:sym typeface="+mn-ea"/>
+            </a:endParaRPr>
+          </a:p>
+          <a:p>
+            <a:r>
+              <a:rPr lang="zh-CN" altLang="en-US" dirty="0">
+                <a:sym typeface="+mn-ea"/>
+              </a:rPr>
+              <a:t>configurePropertySources(environment, args);</a:t>
+            </a:r>
+            <a:endParaRPr lang="zh-CN" altLang="en-US" dirty="0">
+              <a:sym typeface="+mn-ea"/>
+            </a:endParaRPr>
+          </a:p>
+          <a:p>
+            <a:r>
+              <a:rPr lang="zh-CN" altLang="en-US" dirty="0">
+                <a:sym typeface="+mn-ea"/>
+              </a:rPr>
+              <a:t>configureProfiles(environment, args);</a:t>
+            </a:r>
+            <a:endParaRPr lang="zh-CN" altLang="en-US" dirty="0">
+              <a:sym typeface="+mn-ea"/>
+            </a:endParaRPr>
+          </a:p>
+          <a:p>
             <a:endParaRPr lang="zh-CN" altLang="en-US" dirty="0"/>
           </a:p>
         </p:txBody>
       </p:sp>
     </p:spTree>
-    <p:extLst>
-      <p:ext uri="{BB962C8B-B14F-4D97-AF65-F5344CB8AC3E}">
-        <p14:creationId xmlns:p14="http://schemas.microsoft.com/office/powerpoint/2010/main" val="635573952"/>
-      </p:ext>
-    </p:extLst>
   </p:cSld>
   <p:clrMapOvr>
     <a:masterClrMapping/>
@@ -9639,6 +9652,7 @@
               <a:rPr lang="en-US" altLang="zh-CN" dirty="0" smtClean="0"/>
               <a:t>Load</a:t>
             </a:r>
+            <a:endParaRPr lang="en-US" altLang="zh-CN" dirty="0" smtClean="0"/>
           </a:p>
           <a:p>
             <a:pPr lvl="1"/>
@@ -9690,15 +9704,11 @@
               <a:rPr lang="zh-CN" altLang="en-US" dirty="0"/>
               <a:t>容器</a:t>
             </a:r>
+            <a:endParaRPr lang="zh-CN" altLang="en-US" dirty="0"/>
           </a:p>
         </p:txBody>
       </p:sp>
     </p:spTree>
-    <p:extLst>
-      <p:ext uri="{BB962C8B-B14F-4D97-AF65-F5344CB8AC3E}">
-        <p14:creationId xmlns:p14="http://schemas.microsoft.com/office/powerpoint/2010/main" val="277240693"/>
-      </p:ext>
-    </p:extLst>
   </p:cSld>
   <p:clrMapOvr>
     <a:masterClrMapping/>
@@ -9766,11 +9776,6 @@
         </p:txBody>
       </p:sp>
     </p:spTree>
-    <p:extLst>
-      <p:ext uri="{BB962C8B-B14F-4D97-AF65-F5344CB8AC3E}">
-        <p14:creationId xmlns:p14="http://schemas.microsoft.com/office/powerpoint/2010/main" val="3468618542"/>
-      </p:ext>
-    </p:extLst>
   </p:cSld>
   <p:clrMapOvr>
     <a:masterClrMapping/>
@@ -9842,7 +9847,7 @@
           <p:nvPr/>
         </p:nvPicPr>
         <p:blipFill>
-          <a:blip r:embed="rId2"/>
+          <a:blip r:embed="rId1"/>
           <a:stretch>
             <a:fillRect/>
           </a:stretch>
@@ -9858,11 +9863,6 @@
         </p:spPr>
       </p:pic>
     </p:spTree>
-    <p:extLst>
-      <p:ext uri="{BB962C8B-B14F-4D97-AF65-F5344CB8AC3E}">
-        <p14:creationId xmlns:p14="http://schemas.microsoft.com/office/powerpoint/2010/main" val="3865317882"/>
-      </p:ext>
-    </p:extLst>
   </p:cSld>
   <p:clrMapOvr>
     <a:masterClrMapping/>
@@ -9933,6 +9933,7 @@
               <a:rPr lang="en-US" altLang="zh-CN" dirty="0" smtClean="0"/>
               <a:t>Auto-configuration</a:t>
             </a:r>
+            <a:endParaRPr lang="en-US" altLang="zh-CN" dirty="0" smtClean="0"/>
           </a:p>
           <a:p>
             <a:endParaRPr lang="en-US" altLang="zh-CN" dirty="0"/>
@@ -9951,11 +9952,6 @@
         </p:txBody>
       </p:sp>
     </p:spTree>
-    <p:extLst>
-      <p:ext uri="{BB962C8B-B14F-4D97-AF65-F5344CB8AC3E}">
-        <p14:creationId xmlns:p14="http://schemas.microsoft.com/office/powerpoint/2010/main" val="1187768594"/>
-      </p:ext>
-    </p:extLst>
   </p:cSld>
   <p:clrMapOvr>
     <a:masterClrMapping/>
@@ -10029,6 +10025,7 @@
               <a:rPr lang="en-US" altLang="zh-CN" dirty="0"/>
               <a:t>The concept of auto-configuration and starter-POMs are related, but not directly tied:</a:t>
             </a:r>
+            <a:endParaRPr lang="en-US" altLang="zh-CN" dirty="0"/>
           </a:p>
           <a:p>
             <a:pPr lvl="1"/>
@@ -10044,6 +10041,7 @@
               <a:rPr lang="en-US" altLang="zh-CN" dirty="0"/>
               <a:t>.</a:t>
             </a:r>
+            <a:endParaRPr lang="en-US" altLang="zh-CN" dirty="0"/>
           </a:p>
           <a:p>
             <a:pPr lvl="1"/>
@@ -10051,6 +10049,7 @@
               <a:rPr lang="en-US" altLang="zh-CN" dirty="0"/>
               <a:t>Starter POMs are responsible for pulling in dependencies that are commonly used together.</a:t>
             </a:r>
+            <a:endParaRPr lang="en-US" altLang="zh-CN" dirty="0"/>
           </a:p>
           <a:p>
             <a:r>
@@ -10065,15 +10064,11 @@
               <a:rPr lang="en-US" altLang="zh-CN" dirty="0"/>
               <a:t>, and auto-configuration reacts to it.</a:t>
             </a:r>
+            <a:endParaRPr lang="en-US" altLang="zh-CN" dirty="0"/>
           </a:p>
         </p:txBody>
       </p:sp>
     </p:spTree>
-    <p:extLst>
-      <p:ext uri="{BB962C8B-B14F-4D97-AF65-F5344CB8AC3E}">
-        <p14:creationId xmlns:p14="http://schemas.microsoft.com/office/powerpoint/2010/main" val="3973329427"/>
-      </p:ext>
-    </p:extLst>
   </p:cSld>
   <p:clrMapOvr>
     <a:masterClrMapping/>
@@ -10149,6 +10144,7 @@
               <a:rPr lang="en-US" altLang="zh-CN" dirty="0"/>
               <a:t>We generally find that keeping these two concepts separate helps for the following reasons:</a:t>
             </a:r>
+            <a:endParaRPr lang="en-US" altLang="zh-CN" dirty="0"/>
           </a:p>
           <a:p>
             <a:pPr lvl="1"/>
@@ -10156,6 +10152,7 @@
               <a:rPr lang="en-US" altLang="zh-CN" dirty="0"/>
               <a:t>There is clean separation of concerns between auto-configuration and dependency management.</a:t>
             </a:r>
+            <a:endParaRPr lang="en-US" altLang="zh-CN" dirty="0"/>
           </a:p>
           <a:p>
             <a:pPr lvl="1"/>
@@ -10163,6 +10160,7 @@
               <a:rPr lang="en-US" altLang="zh-CN" dirty="0"/>
               <a:t>Users can still take advantage of auto-configuration without starter POMs. For example if they use an Application Server that provides dependencies, or if they are in a highly regulated industry where all dependencies must be vetted.</a:t>
             </a:r>
+            <a:endParaRPr lang="en-US" altLang="zh-CN" dirty="0"/>
           </a:p>
           <a:p>
             <a:pPr lvl="1"/>
@@ -10170,6 +10168,7 @@
               <a:rPr lang="en-US" altLang="zh-CN" dirty="0"/>
               <a:t>Auto-configuration works if a dependency is available for another reason. For example, if the user already has Tomcat, it makes sense to provide specific Tomcat support without requiring a new starter.</a:t>
             </a:r>
+            <a:endParaRPr lang="en-US" altLang="zh-CN" dirty="0"/>
           </a:p>
           <a:p>
             <a:pPr lvl="1"/>
@@ -10177,6 +10176,7 @@
               <a:rPr lang="en-US" altLang="zh-CN" dirty="0"/>
               <a:t>It can help to reduce the number of starters that are required.</a:t>
             </a:r>
+            <a:endParaRPr lang="en-US" altLang="zh-CN" dirty="0"/>
           </a:p>
           <a:p>
             <a:endParaRPr lang="zh-CN" altLang="en-US" dirty="0"/>
@@ -10184,11 +10184,6 @@
         </p:txBody>
       </p:sp>
     </p:spTree>
-    <p:extLst>
-      <p:ext uri="{BB962C8B-B14F-4D97-AF65-F5344CB8AC3E}">
-        <p14:creationId xmlns:p14="http://schemas.microsoft.com/office/powerpoint/2010/main" val="1012429045"/>
-      </p:ext>
-    </p:extLst>
   </p:cSld>
   <p:clrMapOvr>
     <a:masterClrMapping/>
@@ -10268,6 +10263,7 @@
               <a:rPr lang="en-US" altLang="zh-CN" dirty="0" smtClean="0"/>
               <a:t>Initialize properties</a:t>
             </a:r>
+            <a:endParaRPr lang="en-US" altLang="zh-CN" dirty="0" smtClean="0"/>
           </a:p>
           <a:p>
             <a:pPr lvl="1"/>
@@ -10334,11 +10330,6 @@
         </p:txBody>
       </p:sp>
     </p:spTree>
-    <p:extLst>
-      <p:ext uri="{BB962C8B-B14F-4D97-AF65-F5344CB8AC3E}">
-        <p14:creationId xmlns:p14="http://schemas.microsoft.com/office/powerpoint/2010/main" val="3839322494"/>
-      </p:ext>
-    </p:extLst>
   </p:cSld>
   <p:clrMapOvr>
     <a:masterClrMapping/>
@@ -10405,10 +10396,6 @@
               <a:rPr lang="en-US" altLang="zh-CN" dirty="0" err="1"/>
               <a:t>DefaultResourceLoader</a:t>
             </a:r>
-            <a:r>
-              <a:rPr lang="en-US" altLang="zh-CN" dirty="0" smtClean="0"/>
-              <a:t/>
-            </a:r>
             <a:br>
               <a:rPr lang="en-US" altLang="zh-CN" dirty="0" smtClean="0"/>
             </a:br>
@@ -10440,11 +10427,6 @@
         </p:txBody>
       </p:sp>
     </p:spTree>
-    <p:extLst>
-      <p:ext uri="{BB962C8B-B14F-4D97-AF65-F5344CB8AC3E}">
-        <p14:creationId xmlns:p14="http://schemas.microsoft.com/office/powerpoint/2010/main" val="3425388457"/>
-      </p:ext>
-    </p:extLst>
   </p:cSld>
   <p:clrMapOvr>
     <a:masterClrMapping/>
@@ -10520,11 +10502,6 @@
         </p:txBody>
       </p:sp>
     </p:spTree>
-    <p:extLst>
-      <p:ext uri="{BB962C8B-B14F-4D97-AF65-F5344CB8AC3E}">
-        <p14:creationId xmlns:p14="http://schemas.microsoft.com/office/powerpoint/2010/main" val="144118878"/>
-      </p:ext>
-    </p:extLst>
   </p:cSld>
   <p:clrMapOvr>
     <a:masterClrMapping/>
@@ -10596,11 +10573,6 @@
         </p:txBody>
       </p:sp>
     </p:spTree>
-    <p:extLst>
-      <p:ext uri="{BB962C8B-B14F-4D97-AF65-F5344CB8AC3E}">
-        <p14:creationId xmlns:p14="http://schemas.microsoft.com/office/powerpoint/2010/main" val="2247179460"/>
-      </p:ext>
-    </p:extLst>
   </p:cSld>
   <p:clrMapOvr>
     <a:masterClrMapping/>
@@ -10651,7 +10623,7 @@
     </a:clrScheme>
     <a:fontScheme name="Office">
       <a:majorFont>
-        <a:latin typeface="Calibri Light" panose="020F0302020204030204"/>
+        <a:latin typeface="Calibri Light"/>
         <a:ea typeface=""/>
         <a:cs typeface=""/>
         <a:font script="Jpan" typeface="ＭＳ Ｐゴシック"/>
@@ -10686,7 +10658,7 @@
         <a:font script="Geor" typeface="Sylfaen"/>
       </a:majorFont>
       <a:minorFont>
-        <a:latin typeface="Calibri" panose="020F0502020204030204"/>
+        <a:latin typeface="Calibri"/>
         <a:ea typeface=""/>
         <a:cs typeface=""/>
         <a:font script="Jpan" typeface="ＭＳ Ｐゴシック"/>
@@ -10859,8 +10831,6 @@
       </a:bgFillStyleLst>
     </a:fmtScheme>
   </a:themeElements>
-  <a:objectDefaults/>
-  <a:extraClrSchemeLst/>
   <a:extLst>
     <a:ext uri="{05A4C25C-085E-4340-85A3-A5531E510DB2}">
       <thm15:themeFamily xmlns:thm15="http://schemas.microsoft.com/office/thememl/2012/main" name="Office Theme" id="{62F939B6-93AF-4DB8-9C6B-D6C7DFDC589F}" vid="{4A3C46E8-61CC-4603-A589-7422A47A8E4A}"/>
@@ -10912,7 +10882,7 @@
     </a:clrScheme>
     <a:fontScheme name="Office">
       <a:majorFont>
-        <a:latin typeface="Calibri Light" panose="020F0302020204030204"/>
+        <a:latin typeface="Calibri Light"/>
         <a:ea typeface=""/>
         <a:cs typeface=""/>
         <a:font script="Jpan" typeface="ＭＳ Ｐゴシック"/>
@@ -10947,7 +10917,7 @@
         <a:font script="Geor" typeface="Sylfaen"/>
       </a:majorFont>
       <a:minorFont>
-        <a:latin typeface="Calibri" panose="020F0502020204030204"/>
+        <a:latin typeface="Calibri"/>
         <a:ea typeface=""/>
         <a:cs typeface=""/>
         <a:font script="Jpan" typeface="ＭＳ Ｐゴシック"/>
@@ -11120,8 +11090,6 @@
       </a:bgFillStyleLst>
     </a:fmtScheme>
   </a:themeElements>
-  <a:objectDefaults/>
-  <a:extraClrSchemeLst/>
   <a:extLst>
     <a:ext uri="{05A4C25C-085E-4340-85A3-A5531E510DB2}">
       <thm15:themeFamily xmlns:thm15="http://schemas.microsoft.com/office/thememl/2012/main" name="Office Theme" id="{62F939B6-93AF-4DB8-9C6B-D6C7DFDC589F}" vid="{4A3C46E8-61CC-4603-A589-7422A47A8E4A}"/>

--- a/docs/Springboot process.pptx
+++ b/docs/Springboot process.pptx
@@ -32,8 +32,9 @@
     <p:sldId id="282" r:id="rId25"/>
     <p:sldId id="279" r:id="rId26"/>
     <p:sldId id="280" r:id="rId27"/>
-    <p:sldId id="260" r:id="rId28"/>
-    <p:sldId id="283" r:id="rId29"/>
+    <p:sldId id="294" r:id="rId28"/>
+    <p:sldId id="260" r:id="rId29"/>
+    <p:sldId id="283" r:id="rId30"/>
   </p:sldIdLst>
   <p:sldSz cx="12192000" cy="6858000"/>
   <p:notesSz cx="6858000" cy="9144000"/>
@@ -173,6 +174,7 @@
             <p14:sldId id="282"/>
             <p14:sldId id="279"/>
             <p14:sldId id="280"/>
+            <p14:sldId id="294"/>
           </p14:sldIdLst>
         </p14:section>
         <p14:section name="@SpringBootApplication" id="{5CF220BA-DF5F-4C22-8DA9-CA2EC641B481}">
@@ -9725,14 +9727,7 @@
         <p:cNvGrpSpPr/>
         <p:nvPr/>
       </p:nvGrpSpPr>
-      <p:grpSpPr>
-        <a:xfrm>
-          <a:off x="0" y="0"/>
-          <a:ext cx="0" cy="0"/>
-          <a:chOff x="0" y="0"/>
-          <a:chExt cx="0" cy="0"/>
-        </a:xfrm>
-      </p:grpSpPr>
+      <p:grpSpPr/>
       <p:sp>
         <p:nvSpPr>
           <p:cNvPr id="2" name="标题 1"/>
@@ -9746,13 +9741,12 @@
         <p:spPr/>
         <p:txBody>
           <a:bodyPr/>
-          <a:lstStyle/>
-          <a:p>
-            <a:r>
-              <a:rPr lang="en-US" altLang="zh-CN" dirty="0" smtClean="0"/>
-              <a:t>Spring Annotation</a:t>
-            </a:r>
-            <a:endParaRPr lang="zh-CN" altLang="en-US" dirty="0"/>
+          <a:p>
+            <a:r>
+              <a:rPr lang="en-US" altLang="zh-CN"/>
+              <a:t>BeanPostProcessor</a:t>
+            </a:r>
+            <a:endParaRPr lang="en-US" altLang="zh-CN"/>
           </a:p>
         </p:txBody>
       </p:sp>
@@ -9769,9 +9763,16 @@
         <p:spPr/>
         <p:txBody>
           <a:bodyPr/>
-          <a:lstStyle/>
-          <a:p>
-            <a:endParaRPr lang="zh-CN" altLang="en-US" dirty="0"/>
+          <a:p>
+            <a:r>
+              <a:rPr lang="en-US" altLang="zh-CN"/>
+              <a:t>BeanPostProcessor</a:t>
+            </a:r>
+            <a:r>
+              <a:rPr lang="zh-CN" altLang="en-US"/>
+              <a:t>在什么时候处理？</a:t>
+            </a:r>
+            <a:endParaRPr lang="zh-CN" altLang="en-US"/>
           </a:p>
         </p:txBody>
       </p:sp>
@@ -9784,6 +9785,73 @@
 </file>
 
 <file path=ppt/slides/slide26.xml><?xml version="1.0" encoding="utf-8"?>
+<p:sld xmlns:a="http://schemas.openxmlformats.org/drawingml/2006/main" xmlns:r="http://schemas.openxmlformats.org/officeDocument/2006/relationships" xmlns:p="http://schemas.openxmlformats.org/presentationml/2006/main">
+  <p:cSld>
+    <p:spTree>
+      <p:nvGrpSpPr>
+        <p:cNvPr id="1" name=""/>
+        <p:cNvGrpSpPr/>
+        <p:nvPr/>
+      </p:nvGrpSpPr>
+      <p:grpSpPr>
+        <a:xfrm>
+          <a:off x="0" y="0"/>
+          <a:ext cx="0" cy="0"/>
+          <a:chOff x="0" y="0"/>
+          <a:chExt cx="0" cy="0"/>
+        </a:xfrm>
+      </p:grpSpPr>
+      <p:sp>
+        <p:nvSpPr>
+          <p:cNvPr id="2" name="标题 1"/>
+          <p:cNvSpPr>
+            <a:spLocks noGrp="1"/>
+          </p:cNvSpPr>
+          <p:nvPr>
+            <p:ph type="title"/>
+          </p:nvPr>
+        </p:nvSpPr>
+        <p:spPr/>
+        <p:txBody>
+          <a:bodyPr/>
+          <a:lstStyle/>
+          <a:p>
+            <a:r>
+              <a:rPr lang="en-US" altLang="zh-CN" dirty="0" smtClean="0"/>
+              <a:t>Spring Annotation</a:t>
+            </a:r>
+            <a:endParaRPr lang="zh-CN" altLang="en-US" dirty="0"/>
+          </a:p>
+        </p:txBody>
+      </p:sp>
+      <p:sp>
+        <p:nvSpPr>
+          <p:cNvPr id="3" name="内容占位符 2"/>
+          <p:cNvSpPr>
+            <a:spLocks noGrp="1"/>
+          </p:cNvSpPr>
+          <p:nvPr>
+            <p:ph idx="1"/>
+          </p:nvPr>
+        </p:nvSpPr>
+        <p:spPr/>
+        <p:txBody>
+          <a:bodyPr/>
+          <a:lstStyle/>
+          <a:p>
+            <a:endParaRPr lang="zh-CN" altLang="en-US" dirty="0"/>
+          </a:p>
+        </p:txBody>
+      </p:sp>
+    </p:spTree>
+  </p:cSld>
+  <p:clrMapOvr>
+    <a:masterClrMapping/>
+  </p:clrMapOvr>
+</p:sld>
+</file>
+
+<file path=ppt/slides/slide27.xml><?xml version="1.0" encoding="utf-8"?>
 <p:sld xmlns:a="http://schemas.openxmlformats.org/drawingml/2006/main" xmlns:r="http://schemas.openxmlformats.org/officeDocument/2006/relationships" xmlns:p="http://schemas.openxmlformats.org/presentationml/2006/main">
   <p:cSld>
     <p:spTree>
